--- a/portfolio_img/portfolio.pptx
+++ b/portfolio_img/portfolio.pptx
@@ -248,7 +248,7 @@
           <a:p>
             <a:fld id="{3B638056-2271-4463-BAE1-4AC5602DC725}" type="datetimeFigureOut">
               <a:rPr lang="en-US" smtClean="0"/>
-              <a:t>12/30/2015</a:t>
+              <a:t>1/2/2016</a:t>
             </a:fld>
             <a:endParaRPr lang="en-US"/>
           </a:p>
@@ -418,7 +418,7 @@
           <a:p>
             <a:fld id="{3B638056-2271-4463-BAE1-4AC5602DC725}" type="datetimeFigureOut">
               <a:rPr lang="en-US" smtClean="0"/>
-              <a:t>12/30/2015</a:t>
+              <a:t>1/2/2016</a:t>
             </a:fld>
             <a:endParaRPr lang="en-US"/>
           </a:p>
@@ -598,7 +598,7 @@
           <a:p>
             <a:fld id="{3B638056-2271-4463-BAE1-4AC5602DC725}" type="datetimeFigureOut">
               <a:rPr lang="en-US" smtClean="0"/>
-              <a:t>12/30/2015</a:t>
+              <a:t>1/2/2016</a:t>
             </a:fld>
             <a:endParaRPr lang="en-US"/>
           </a:p>
@@ -768,7 +768,7 @@
           <a:p>
             <a:fld id="{3B638056-2271-4463-BAE1-4AC5602DC725}" type="datetimeFigureOut">
               <a:rPr lang="en-US" smtClean="0"/>
-              <a:t>12/30/2015</a:t>
+              <a:t>1/2/2016</a:t>
             </a:fld>
             <a:endParaRPr lang="en-US"/>
           </a:p>
@@ -1014,7 +1014,7 @@
           <a:p>
             <a:fld id="{3B638056-2271-4463-BAE1-4AC5602DC725}" type="datetimeFigureOut">
               <a:rPr lang="en-US" smtClean="0"/>
-              <a:t>12/30/2015</a:t>
+              <a:t>1/2/2016</a:t>
             </a:fld>
             <a:endParaRPr lang="en-US"/>
           </a:p>
@@ -1246,7 +1246,7 @@
           <a:p>
             <a:fld id="{3B638056-2271-4463-BAE1-4AC5602DC725}" type="datetimeFigureOut">
               <a:rPr lang="en-US" smtClean="0"/>
-              <a:t>12/30/2015</a:t>
+              <a:t>1/2/2016</a:t>
             </a:fld>
             <a:endParaRPr lang="en-US"/>
           </a:p>
@@ -1613,7 +1613,7 @@
           <a:p>
             <a:fld id="{3B638056-2271-4463-BAE1-4AC5602DC725}" type="datetimeFigureOut">
               <a:rPr lang="en-US" smtClean="0"/>
-              <a:t>12/30/2015</a:t>
+              <a:t>1/2/2016</a:t>
             </a:fld>
             <a:endParaRPr lang="en-US"/>
           </a:p>
@@ -1731,7 +1731,7 @@
           <a:p>
             <a:fld id="{3B638056-2271-4463-BAE1-4AC5602DC725}" type="datetimeFigureOut">
               <a:rPr lang="en-US" smtClean="0"/>
-              <a:t>12/30/2015</a:t>
+              <a:t>1/2/2016</a:t>
             </a:fld>
             <a:endParaRPr lang="en-US"/>
           </a:p>
@@ -1826,7 +1826,7 @@
           <a:p>
             <a:fld id="{3B638056-2271-4463-BAE1-4AC5602DC725}" type="datetimeFigureOut">
               <a:rPr lang="en-US" smtClean="0"/>
-              <a:t>12/30/2015</a:t>
+              <a:t>1/2/2016</a:t>
             </a:fld>
             <a:endParaRPr lang="en-US"/>
           </a:p>
@@ -2103,7 +2103,7 @@
           <a:p>
             <a:fld id="{3B638056-2271-4463-BAE1-4AC5602DC725}" type="datetimeFigureOut">
               <a:rPr lang="en-US" smtClean="0"/>
-              <a:t>12/30/2015</a:t>
+              <a:t>1/2/2016</a:t>
             </a:fld>
             <a:endParaRPr lang="en-US"/>
           </a:p>
@@ -2356,7 +2356,7 @@
           <a:p>
             <a:fld id="{3B638056-2271-4463-BAE1-4AC5602DC725}" type="datetimeFigureOut">
               <a:rPr lang="en-US" smtClean="0"/>
-              <a:t>12/30/2015</a:t>
+              <a:t>1/2/2016</a:t>
             </a:fld>
             <a:endParaRPr lang="en-US"/>
           </a:p>
@@ -2569,7 +2569,7 @@
           <a:p>
             <a:fld id="{3B638056-2271-4463-BAE1-4AC5602DC725}" type="datetimeFigureOut">
               <a:rPr lang="en-US" smtClean="0"/>
-              <a:t>12/30/2015</a:t>
+              <a:t>1/2/2016</a:t>
             </a:fld>
             <a:endParaRPr lang="en-US"/>
           </a:p>
@@ -2974,144 +2974,6 @@
           <a:chExt cx="0" cy="0"/>
         </a:xfrm>
       </p:grpSpPr>
-      <p:sp>
-        <p:nvSpPr>
-          <p:cNvPr id="22" name="Rectangle 21"/>
-          <p:cNvSpPr/>
-          <p:nvPr/>
-        </p:nvSpPr>
-        <p:spPr>
-          <a:xfrm>
-            <a:off x="578223" y="3509683"/>
-            <a:ext cx="3240742" cy="3240742"/>
-          </a:xfrm>
-          <a:prstGeom prst="rect">
-            <a:avLst/>
-          </a:prstGeom>
-          <a:noFill/>
-          <a:ln w="28575">
-            <a:solidFill>
-              <a:srgbClr val="23B4A4"/>
-            </a:solidFill>
-          </a:ln>
-        </p:spPr>
-        <p:style>
-          <a:lnRef idx="2">
-            <a:schemeClr val="accent1">
-              <a:shade val="50000"/>
-            </a:schemeClr>
-          </a:lnRef>
-          <a:fillRef idx="1">
-            <a:schemeClr val="accent1"/>
-          </a:fillRef>
-          <a:effectRef idx="0">
-            <a:schemeClr val="accent1"/>
-          </a:effectRef>
-          <a:fontRef idx="minor">
-            <a:schemeClr val="lt1"/>
-          </a:fontRef>
-        </p:style>
-        <p:txBody>
-          <a:bodyPr rtlCol="0" anchor="ctr"/>
-          <a:lstStyle/>
-          <a:p>
-            <a:pPr algn="ctr"/>
-            <a:endParaRPr lang="en-US"/>
-          </a:p>
-        </p:txBody>
-      </p:sp>
-      <p:sp>
-        <p:nvSpPr>
-          <p:cNvPr id="23" name="Rectangle 22"/>
-          <p:cNvSpPr/>
-          <p:nvPr/>
-        </p:nvSpPr>
-        <p:spPr>
-          <a:xfrm>
-            <a:off x="4468905" y="3509683"/>
-            <a:ext cx="3240742" cy="3240742"/>
-          </a:xfrm>
-          <a:prstGeom prst="rect">
-            <a:avLst/>
-          </a:prstGeom>
-          <a:noFill/>
-          <a:ln w="28575">
-            <a:solidFill>
-              <a:srgbClr val="23B4A4"/>
-            </a:solidFill>
-          </a:ln>
-        </p:spPr>
-        <p:style>
-          <a:lnRef idx="2">
-            <a:schemeClr val="accent1">
-              <a:shade val="50000"/>
-            </a:schemeClr>
-          </a:lnRef>
-          <a:fillRef idx="1">
-            <a:schemeClr val="accent1"/>
-          </a:fillRef>
-          <a:effectRef idx="0">
-            <a:schemeClr val="accent1"/>
-          </a:effectRef>
-          <a:fontRef idx="minor">
-            <a:schemeClr val="lt1"/>
-          </a:fontRef>
-        </p:style>
-        <p:txBody>
-          <a:bodyPr rtlCol="0" anchor="ctr"/>
-          <a:lstStyle/>
-          <a:p>
-            <a:pPr algn="ctr"/>
-            <a:endParaRPr lang="en-US"/>
-          </a:p>
-        </p:txBody>
-      </p:sp>
-      <p:sp>
-        <p:nvSpPr>
-          <p:cNvPr id="24" name="Rectangle 23"/>
-          <p:cNvSpPr/>
-          <p:nvPr/>
-        </p:nvSpPr>
-        <p:spPr>
-          <a:xfrm>
-            <a:off x="8359587" y="3509683"/>
-            <a:ext cx="3240742" cy="3240742"/>
-          </a:xfrm>
-          <a:prstGeom prst="rect">
-            <a:avLst/>
-          </a:prstGeom>
-          <a:noFill/>
-          <a:ln w="28575">
-            <a:solidFill>
-              <a:srgbClr val="23B4A4"/>
-            </a:solidFill>
-          </a:ln>
-        </p:spPr>
-        <p:style>
-          <a:lnRef idx="2">
-            <a:schemeClr val="accent1">
-              <a:shade val="50000"/>
-            </a:schemeClr>
-          </a:lnRef>
-          <a:fillRef idx="1">
-            <a:schemeClr val="accent1"/>
-          </a:fillRef>
-          <a:effectRef idx="0">
-            <a:schemeClr val="accent1"/>
-          </a:effectRef>
-          <a:fontRef idx="minor">
-            <a:schemeClr val="lt1"/>
-          </a:fontRef>
-        </p:style>
-        <p:txBody>
-          <a:bodyPr rtlCol="0" anchor="ctr"/>
-          <a:lstStyle/>
-          <a:p>
-            <a:pPr algn="ctr"/>
-            <a:endParaRPr lang="en-US"/>
-          </a:p>
-        </p:txBody>
-      </p:sp>
       <p:grpSp>
         <p:nvGrpSpPr>
           <p:cNvPr id="2" name="Group 1"/>
@@ -3120,7 +2982,7 @@
         </p:nvGrpSpPr>
         <p:grpSpPr>
           <a:xfrm>
-            <a:off x="578223" y="80683"/>
+            <a:off x="578223" y="94130"/>
             <a:ext cx="3240742" cy="3240742"/>
             <a:chOff x="578223" y="80683"/>
             <a:chExt cx="3240742" cy="3240742"/>
@@ -3241,16 +3103,16 @@
       </p:grpSp>
       <p:grpSp>
         <p:nvGrpSpPr>
-          <p:cNvPr id="3" name="Group 2"/>
+          <p:cNvPr id="5" name="Group 4"/>
           <p:cNvGrpSpPr/>
           <p:nvPr/>
         </p:nvGrpSpPr>
         <p:grpSpPr>
           <a:xfrm>
-            <a:off x="4468905" y="94130"/>
-            <a:ext cx="3240742" cy="3240742"/>
-            <a:chOff x="4468905" y="94130"/>
-            <a:chExt cx="3240742" cy="3240742"/>
+            <a:off x="4468903" y="67236"/>
+            <a:ext cx="3240743" cy="3254189"/>
+            <a:chOff x="4468903" y="80683"/>
+            <a:chExt cx="3240743" cy="3254189"/>
           </a:xfrm>
         </p:grpSpPr>
         <p:sp>
@@ -3261,8 +3123,8 @@
           </p:nvSpPr>
           <p:spPr>
             <a:xfrm>
-              <a:off x="4468905" y="94130"/>
-              <a:ext cx="3240742" cy="3240742"/>
+              <a:off x="4468905" y="80683"/>
+              <a:ext cx="3240741" cy="3254189"/>
             </a:xfrm>
             <a:prstGeom prst="rect">
               <a:avLst/>
@@ -3307,8 +3169,8 @@
           </p:nvSpPr>
           <p:spPr>
             <a:xfrm>
-              <a:off x="4468905" y="94130"/>
-              <a:ext cx="3240741" cy="954107"/>
+              <a:off x="4468903" y="94130"/>
+              <a:ext cx="3240743" cy="954107"/>
             </a:xfrm>
             <a:prstGeom prst="rect">
               <a:avLst/>
@@ -3323,13 +3185,13 @@
             <a:p>
               <a:pPr algn="ctr"/>
               <a:r>
-                <a:rPr lang="en-US" sz="2800" dirty="0" smtClean="0">
+                <a:rPr lang="en-US" sz="2700" dirty="0" smtClean="0">
                   <a:latin typeface="Segoe UI Light" panose="020B0502040204020203" pitchFamily="34" charset="0"/>
                   <a:cs typeface="Segoe UI Light" panose="020B0502040204020203" pitchFamily="34" charset="0"/>
                 </a:rPr>
                 <a:t>Piezoelectric Energy Conversion</a:t>
               </a:r>
-              <a:endParaRPr lang="en-US" sz="2800" dirty="0">
+              <a:endParaRPr lang="en-US" sz="2700" dirty="0">
                 <a:latin typeface="Segoe UI Light" panose="020B0502040204020203" pitchFamily="34" charset="0"/>
                 <a:cs typeface="Segoe UI Light" panose="020B0502040204020203" pitchFamily="34" charset="0"/>
               </a:endParaRPr>
@@ -3357,7 +3219,7 @@
           </p:blipFill>
           <p:spPr>
             <a:xfrm>
-              <a:off x="4948516" y="1024446"/>
+              <a:off x="4951561" y="1024446"/>
               <a:ext cx="2275427" cy="2117641"/>
             </a:xfrm>
             <a:prstGeom prst="rect">
@@ -3491,6 +3353,93 @@
           </p:spPr>
         </p:pic>
       </p:grpSp>
+      <p:pic>
+        <p:nvPicPr>
+          <p:cNvPr id="6" name="Picture 5"/>
+          <p:cNvPicPr>
+            <a:picLocks noChangeAspect="1"/>
+          </p:cNvPicPr>
+          <p:nvPr/>
+        </p:nvPicPr>
+        <p:blipFill rotWithShape="1">
+          <a:blip r:embed="rId5">
+            <a:extLst>
+              <a:ext uri="{28A0092B-C50C-407E-A947-70E740481C1C}">
+                <a14:useLocalDpi xmlns:a14="http://schemas.microsoft.com/office/drawing/2010/main" val="0"/>
+              </a:ext>
+            </a:extLst>
+          </a:blip>
+          <a:srcRect t="1217"/>
+          <a:stretch/>
+        </p:blipFill>
+        <p:spPr>
+          <a:xfrm>
+            <a:off x="551226" y="3496235"/>
+            <a:ext cx="3267739" cy="3276171"/>
+          </a:xfrm>
+          <a:prstGeom prst="rect">
+            <a:avLst/>
+          </a:prstGeom>
+        </p:spPr>
+      </p:pic>
+      <p:pic>
+        <p:nvPicPr>
+          <p:cNvPr id="7" name="Picture 6"/>
+          <p:cNvPicPr>
+            <a:picLocks noChangeAspect="1"/>
+          </p:cNvPicPr>
+          <p:nvPr/>
+        </p:nvPicPr>
+        <p:blipFill rotWithShape="1">
+          <a:blip r:embed="rId6">
+            <a:extLst>
+              <a:ext uri="{28A0092B-C50C-407E-A947-70E740481C1C}">
+                <a14:useLocalDpi xmlns:a14="http://schemas.microsoft.com/office/drawing/2010/main" val="0"/>
+              </a:ext>
+            </a:extLst>
+          </a:blip>
+          <a:srcRect t="1174" r="2479"/>
+          <a:stretch/>
+        </p:blipFill>
+        <p:spPr>
+          <a:xfrm>
+            <a:off x="4444249" y="3482788"/>
+            <a:ext cx="3287810" cy="3289618"/>
+          </a:xfrm>
+          <a:prstGeom prst="rect">
+            <a:avLst/>
+          </a:prstGeom>
+        </p:spPr>
+      </p:pic>
+      <p:pic>
+        <p:nvPicPr>
+          <p:cNvPr id="8" name="Picture 7"/>
+          <p:cNvPicPr>
+            <a:picLocks noChangeAspect="1"/>
+          </p:cNvPicPr>
+          <p:nvPr/>
+        </p:nvPicPr>
+        <p:blipFill rotWithShape="1">
+          <a:blip r:embed="rId7">
+            <a:extLst>
+              <a:ext uri="{28A0092B-C50C-407E-A947-70E740481C1C}">
+                <a14:useLocalDpi xmlns:a14="http://schemas.microsoft.com/office/drawing/2010/main" val="0"/>
+              </a:ext>
+            </a:extLst>
+          </a:blip>
+          <a:srcRect t="1174"/>
+          <a:stretch/>
+        </p:blipFill>
+        <p:spPr>
+          <a:xfrm>
+            <a:off x="8357343" y="3482788"/>
+            <a:ext cx="3273836" cy="3289618"/>
+          </a:xfrm>
+          <a:prstGeom prst="rect">
+            <a:avLst/>
+          </a:prstGeom>
+        </p:spPr>
+      </p:pic>
     </p:spTree>
     <p:extLst>
       <p:ext uri="{BB962C8B-B14F-4D97-AF65-F5344CB8AC3E}">
@@ -3521,144 +3470,6 @@
           <a:chExt cx="0" cy="0"/>
         </a:xfrm>
       </p:grpSpPr>
-      <p:sp>
-        <p:nvSpPr>
-          <p:cNvPr id="22" name="Rectangle 21"/>
-          <p:cNvSpPr/>
-          <p:nvPr/>
-        </p:nvSpPr>
-        <p:spPr>
-          <a:xfrm>
-            <a:off x="578223" y="3509683"/>
-            <a:ext cx="3240742" cy="3240742"/>
-          </a:xfrm>
-          <a:prstGeom prst="rect">
-            <a:avLst/>
-          </a:prstGeom>
-          <a:noFill/>
-          <a:ln w="28575">
-            <a:solidFill>
-              <a:srgbClr val="23B4A4"/>
-            </a:solidFill>
-          </a:ln>
-        </p:spPr>
-        <p:style>
-          <a:lnRef idx="2">
-            <a:schemeClr val="accent1">
-              <a:shade val="50000"/>
-            </a:schemeClr>
-          </a:lnRef>
-          <a:fillRef idx="1">
-            <a:schemeClr val="accent1"/>
-          </a:fillRef>
-          <a:effectRef idx="0">
-            <a:schemeClr val="accent1"/>
-          </a:effectRef>
-          <a:fontRef idx="minor">
-            <a:schemeClr val="lt1"/>
-          </a:fontRef>
-        </p:style>
-        <p:txBody>
-          <a:bodyPr rtlCol="0" anchor="ctr"/>
-          <a:lstStyle/>
-          <a:p>
-            <a:pPr algn="ctr"/>
-            <a:endParaRPr lang="en-US"/>
-          </a:p>
-        </p:txBody>
-      </p:sp>
-      <p:sp>
-        <p:nvSpPr>
-          <p:cNvPr id="23" name="Rectangle 22"/>
-          <p:cNvSpPr/>
-          <p:nvPr/>
-        </p:nvSpPr>
-        <p:spPr>
-          <a:xfrm>
-            <a:off x="4468905" y="3509683"/>
-            <a:ext cx="3240742" cy="3240742"/>
-          </a:xfrm>
-          <a:prstGeom prst="rect">
-            <a:avLst/>
-          </a:prstGeom>
-          <a:noFill/>
-          <a:ln w="28575">
-            <a:solidFill>
-              <a:srgbClr val="23B4A4"/>
-            </a:solidFill>
-          </a:ln>
-        </p:spPr>
-        <p:style>
-          <a:lnRef idx="2">
-            <a:schemeClr val="accent1">
-              <a:shade val="50000"/>
-            </a:schemeClr>
-          </a:lnRef>
-          <a:fillRef idx="1">
-            <a:schemeClr val="accent1"/>
-          </a:fillRef>
-          <a:effectRef idx="0">
-            <a:schemeClr val="accent1"/>
-          </a:effectRef>
-          <a:fontRef idx="minor">
-            <a:schemeClr val="lt1"/>
-          </a:fontRef>
-        </p:style>
-        <p:txBody>
-          <a:bodyPr rtlCol="0" anchor="ctr"/>
-          <a:lstStyle/>
-          <a:p>
-            <a:pPr algn="ctr"/>
-            <a:endParaRPr lang="en-US"/>
-          </a:p>
-        </p:txBody>
-      </p:sp>
-      <p:sp>
-        <p:nvSpPr>
-          <p:cNvPr id="24" name="Rectangle 23"/>
-          <p:cNvSpPr/>
-          <p:nvPr/>
-        </p:nvSpPr>
-        <p:spPr>
-          <a:xfrm>
-            <a:off x="8359587" y="3509683"/>
-            <a:ext cx="3240742" cy="3240742"/>
-          </a:xfrm>
-          <a:prstGeom prst="rect">
-            <a:avLst/>
-          </a:prstGeom>
-          <a:noFill/>
-          <a:ln w="28575">
-            <a:solidFill>
-              <a:srgbClr val="23B4A4"/>
-            </a:solidFill>
-          </a:ln>
-        </p:spPr>
-        <p:style>
-          <a:lnRef idx="2">
-            <a:schemeClr val="accent1">
-              <a:shade val="50000"/>
-            </a:schemeClr>
-          </a:lnRef>
-          <a:fillRef idx="1">
-            <a:schemeClr val="accent1"/>
-          </a:fillRef>
-          <a:effectRef idx="0">
-            <a:schemeClr val="accent1"/>
-          </a:effectRef>
-          <a:fontRef idx="minor">
-            <a:schemeClr val="lt1"/>
-          </a:fontRef>
-        </p:style>
-        <p:txBody>
-          <a:bodyPr rtlCol="0" anchor="ctr"/>
-          <a:lstStyle/>
-          <a:p>
-            <a:pPr algn="ctr"/>
-            <a:endParaRPr lang="en-US"/>
-          </a:p>
-        </p:txBody>
-      </p:sp>
       <p:grpSp>
         <p:nvGrpSpPr>
           <p:cNvPr id="2" name="Group 1"/>
@@ -3820,7 +3631,7 @@
         </p:nvGrpSpPr>
         <p:grpSpPr>
           <a:xfrm>
-            <a:off x="4468905" y="94130"/>
+            <a:off x="4468905" y="107577"/>
             <a:ext cx="3240742" cy="3240742"/>
             <a:chOff x="4468905" y="94130"/>
             <a:chExt cx="3240742" cy="3240742"/>
@@ -4090,6 +3901,93 @@
           </p:spPr>
         </p:pic>
       </p:grpSp>
+      <p:pic>
+        <p:nvPicPr>
+          <p:cNvPr id="6" name="Picture 5"/>
+          <p:cNvPicPr>
+            <a:picLocks noChangeAspect="1"/>
+          </p:cNvPicPr>
+          <p:nvPr/>
+        </p:nvPicPr>
+        <p:blipFill rotWithShape="1">
+          <a:blip r:embed="rId5">
+            <a:extLst>
+              <a:ext uri="{28A0092B-C50C-407E-A947-70E740481C1C}">
+                <a14:useLocalDpi xmlns:a14="http://schemas.microsoft.com/office/drawing/2010/main" val="0"/>
+              </a:ext>
+            </a:extLst>
+          </a:blip>
+          <a:srcRect t="1068" r="1431"/>
+          <a:stretch/>
+        </p:blipFill>
+        <p:spPr>
+          <a:xfrm>
+            <a:off x="578223" y="3509682"/>
+            <a:ext cx="3281083" cy="3281083"/>
+          </a:xfrm>
+          <a:prstGeom prst="rect">
+            <a:avLst/>
+          </a:prstGeom>
+        </p:spPr>
+      </p:pic>
+      <p:pic>
+        <p:nvPicPr>
+          <p:cNvPr id="7" name="Picture 6"/>
+          <p:cNvPicPr>
+            <a:picLocks noChangeAspect="1"/>
+          </p:cNvPicPr>
+          <p:nvPr/>
+        </p:nvPicPr>
+        <p:blipFill rotWithShape="1">
+          <a:blip r:embed="rId6">
+            <a:extLst>
+              <a:ext uri="{28A0092B-C50C-407E-A947-70E740481C1C}">
+                <a14:useLocalDpi xmlns:a14="http://schemas.microsoft.com/office/drawing/2010/main" val="0"/>
+              </a:ext>
+            </a:extLst>
+          </a:blip>
+          <a:srcRect t="1431"/>
+          <a:stretch/>
+        </p:blipFill>
+        <p:spPr>
+          <a:xfrm>
+            <a:off x="4468905" y="3509681"/>
+            <a:ext cx="3273836" cy="3281083"/>
+          </a:xfrm>
+          <a:prstGeom prst="rect">
+            <a:avLst/>
+          </a:prstGeom>
+        </p:spPr>
+      </p:pic>
+      <p:pic>
+        <p:nvPicPr>
+          <p:cNvPr id="8" name="Picture 7"/>
+          <p:cNvPicPr>
+            <a:picLocks noChangeAspect="1"/>
+          </p:cNvPicPr>
+          <p:nvPr/>
+        </p:nvPicPr>
+        <p:blipFill rotWithShape="1">
+          <a:blip r:embed="rId7">
+            <a:extLst>
+              <a:ext uri="{28A0092B-C50C-407E-A947-70E740481C1C}">
+                <a14:useLocalDpi xmlns:a14="http://schemas.microsoft.com/office/drawing/2010/main" val="0"/>
+              </a:ext>
+            </a:extLst>
+          </a:blip>
+          <a:srcRect t="1431" b="-1"/>
+          <a:stretch/>
+        </p:blipFill>
+        <p:spPr>
+          <a:xfrm>
+            <a:off x="8359587" y="3509682"/>
+            <a:ext cx="3273836" cy="3281082"/>
+          </a:xfrm>
+          <a:prstGeom prst="rect">
+            <a:avLst/>
+          </a:prstGeom>
+        </p:spPr>
+      </p:pic>
     </p:spTree>
     <p:extLst>
       <p:ext uri="{BB962C8B-B14F-4D97-AF65-F5344CB8AC3E}">
@@ -4120,144 +4018,6 @@
           <a:chExt cx="0" cy="0"/>
         </a:xfrm>
       </p:grpSpPr>
-      <p:sp>
-        <p:nvSpPr>
-          <p:cNvPr id="22" name="Rectangle 21"/>
-          <p:cNvSpPr/>
-          <p:nvPr/>
-        </p:nvSpPr>
-        <p:spPr>
-          <a:xfrm>
-            <a:off x="578223" y="3509683"/>
-            <a:ext cx="3240742" cy="3240742"/>
-          </a:xfrm>
-          <a:prstGeom prst="rect">
-            <a:avLst/>
-          </a:prstGeom>
-          <a:noFill/>
-          <a:ln w="28575">
-            <a:solidFill>
-              <a:srgbClr val="23B4A4"/>
-            </a:solidFill>
-          </a:ln>
-        </p:spPr>
-        <p:style>
-          <a:lnRef idx="2">
-            <a:schemeClr val="accent1">
-              <a:shade val="50000"/>
-            </a:schemeClr>
-          </a:lnRef>
-          <a:fillRef idx="1">
-            <a:schemeClr val="accent1"/>
-          </a:fillRef>
-          <a:effectRef idx="0">
-            <a:schemeClr val="accent1"/>
-          </a:effectRef>
-          <a:fontRef idx="minor">
-            <a:schemeClr val="lt1"/>
-          </a:fontRef>
-        </p:style>
-        <p:txBody>
-          <a:bodyPr rtlCol="0" anchor="ctr"/>
-          <a:lstStyle/>
-          <a:p>
-            <a:pPr algn="ctr"/>
-            <a:endParaRPr lang="en-US"/>
-          </a:p>
-        </p:txBody>
-      </p:sp>
-      <p:sp>
-        <p:nvSpPr>
-          <p:cNvPr id="23" name="Rectangle 22"/>
-          <p:cNvSpPr/>
-          <p:nvPr/>
-        </p:nvSpPr>
-        <p:spPr>
-          <a:xfrm>
-            <a:off x="4468905" y="3509683"/>
-            <a:ext cx="3240742" cy="3240742"/>
-          </a:xfrm>
-          <a:prstGeom prst="rect">
-            <a:avLst/>
-          </a:prstGeom>
-          <a:noFill/>
-          <a:ln w="28575">
-            <a:solidFill>
-              <a:srgbClr val="23B4A4"/>
-            </a:solidFill>
-          </a:ln>
-        </p:spPr>
-        <p:style>
-          <a:lnRef idx="2">
-            <a:schemeClr val="accent1">
-              <a:shade val="50000"/>
-            </a:schemeClr>
-          </a:lnRef>
-          <a:fillRef idx="1">
-            <a:schemeClr val="accent1"/>
-          </a:fillRef>
-          <a:effectRef idx="0">
-            <a:schemeClr val="accent1"/>
-          </a:effectRef>
-          <a:fontRef idx="minor">
-            <a:schemeClr val="lt1"/>
-          </a:fontRef>
-        </p:style>
-        <p:txBody>
-          <a:bodyPr rtlCol="0" anchor="ctr"/>
-          <a:lstStyle/>
-          <a:p>
-            <a:pPr algn="ctr"/>
-            <a:endParaRPr lang="en-US"/>
-          </a:p>
-        </p:txBody>
-      </p:sp>
-      <p:sp>
-        <p:nvSpPr>
-          <p:cNvPr id="24" name="Rectangle 23"/>
-          <p:cNvSpPr/>
-          <p:nvPr/>
-        </p:nvSpPr>
-        <p:spPr>
-          <a:xfrm>
-            <a:off x="8359587" y="3509683"/>
-            <a:ext cx="3240742" cy="3240742"/>
-          </a:xfrm>
-          <a:prstGeom prst="rect">
-            <a:avLst/>
-          </a:prstGeom>
-          <a:noFill/>
-          <a:ln w="28575">
-            <a:solidFill>
-              <a:srgbClr val="23B4A4"/>
-            </a:solidFill>
-          </a:ln>
-        </p:spPr>
-        <p:style>
-          <a:lnRef idx="2">
-            <a:schemeClr val="accent1">
-              <a:shade val="50000"/>
-            </a:schemeClr>
-          </a:lnRef>
-          <a:fillRef idx="1">
-            <a:schemeClr val="accent1"/>
-          </a:fillRef>
-          <a:effectRef idx="0">
-            <a:schemeClr val="accent1"/>
-          </a:effectRef>
-          <a:fontRef idx="minor">
-            <a:schemeClr val="lt1"/>
-          </a:fontRef>
-        </p:style>
-        <p:txBody>
-          <a:bodyPr rtlCol="0" anchor="ctr"/>
-          <a:lstStyle/>
-          <a:p>
-            <a:pPr algn="ctr"/>
-            <a:endParaRPr lang="en-US"/>
-          </a:p>
-        </p:txBody>
-      </p:sp>
       <p:grpSp>
         <p:nvGrpSpPr>
           <p:cNvPr id="3" name="Group 2"/>
@@ -4405,7 +4165,7 @@
         </p:nvGrpSpPr>
         <p:grpSpPr>
           <a:xfrm>
-            <a:off x="578223" y="80683"/>
+            <a:off x="578223" y="94130"/>
             <a:ext cx="3240742" cy="3240742"/>
             <a:chOff x="578223" y="80683"/>
             <a:chExt cx="3240742" cy="3240742"/>
@@ -4673,6 +4433,93 @@
           </p:spPr>
         </p:pic>
       </p:grpSp>
+      <p:pic>
+        <p:nvPicPr>
+          <p:cNvPr id="5" name="Picture 4"/>
+          <p:cNvPicPr>
+            <a:picLocks noChangeAspect="1"/>
+          </p:cNvPicPr>
+          <p:nvPr/>
+        </p:nvPicPr>
+        <p:blipFill rotWithShape="1">
+          <a:blip r:embed="rId5">
+            <a:extLst>
+              <a:ext uri="{28A0092B-C50C-407E-A947-70E740481C1C}">
+                <a14:useLocalDpi xmlns:a14="http://schemas.microsoft.com/office/drawing/2010/main" val="0"/>
+              </a:ext>
+            </a:extLst>
+          </a:blip>
+          <a:srcRect t="1068"/>
+          <a:stretch/>
+        </p:blipFill>
+        <p:spPr>
+          <a:xfrm>
+            <a:off x="578223" y="3482788"/>
+            <a:ext cx="3267739" cy="3281083"/>
+          </a:xfrm>
+          <a:prstGeom prst="rect">
+            <a:avLst/>
+          </a:prstGeom>
+        </p:spPr>
+      </p:pic>
+      <p:pic>
+        <p:nvPicPr>
+          <p:cNvPr id="6" name="Picture 5"/>
+          <p:cNvPicPr>
+            <a:picLocks noChangeAspect="1"/>
+          </p:cNvPicPr>
+          <p:nvPr/>
+        </p:nvPicPr>
+        <p:blipFill rotWithShape="1">
+          <a:blip r:embed="rId6">
+            <a:extLst>
+              <a:ext uri="{28A0092B-C50C-407E-A947-70E740481C1C}">
+                <a14:useLocalDpi xmlns:a14="http://schemas.microsoft.com/office/drawing/2010/main" val="0"/>
+              </a:ext>
+            </a:extLst>
+          </a:blip>
+          <a:srcRect t="1431"/>
+          <a:stretch/>
+        </p:blipFill>
+        <p:spPr>
+          <a:xfrm>
+            <a:off x="4468905" y="3482787"/>
+            <a:ext cx="3273836" cy="3281083"/>
+          </a:xfrm>
+          <a:prstGeom prst="rect">
+            <a:avLst/>
+          </a:prstGeom>
+        </p:spPr>
+      </p:pic>
+      <p:pic>
+        <p:nvPicPr>
+          <p:cNvPr id="7" name="Picture 6"/>
+          <p:cNvPicPr>
+            <a:picLocks noChangeAspect="1"/>
+          </p:cNvPicPr>
+          <p:nvPr/>
+        </p:nvPicPr>
+        <p:blipFill rotWithShape="1">
+          <a:blip r:embed="rId7">
+            <a:extLst>
+              <a:ext uri="{28A0092B-C50C-407E-A947-70E740481C1C}">
+                <a14:useLocalDpi xmlns:a14="http://schemas.microsoft.com/office/drawing/2010/main" val="0"/>
+              </a:ext>
+            </a:extLst>
+          </a:blip>
+          <a:srcRect t="1431" b="-1"/>
+          <a:stretch/>
+        </p:blipFill>
+        <p:spPr>
+          <a:xfrm>
+            <a:off x="8359587" y="3482788"/>
+            <a:ext cx="3273836" cy="3281082"/>
+          </a:xfrm>
+          <a:prstGeom prst="rect">
+            <a:avLst/>
+          </a:prstGeom>
+        </p:spPr>
+      </p:pic>
     </p:spTree>
     <p:extLst>
       <p:ext uri="{BB962C8B-B14F-4D97-AF65-F5344CB8AC3E}">
@@ -4703,144 +4550,6 @@
           <a:chExt cx="0" cy="0"/>
         </a:xfrm>
       </p:grpSpPr>
-      <p:sp>
-        <p:nvSpPr>
-          <p:cNvPr id="22" name="Rectangle 21"/>
-          <p:cNvSpPr/>
-          <p:nvPr/>
-        </p:nvSpPr>
-        <p:spPr>
-          <a:xfrm>
-            <a:off x="578223" y="3509683"/>
-            <a:ext cx="3240742" cy="3240742"/>
-          </a:xfrm>
-          <a:prstGeom prst="rect">
-            <a:avLst/>
-          </a:prstGeom>
-          <a:noFill/>
-          <a:ln w="28575">
-            <a:solidFill>
-              <a:srgbClr val="23B4A4"/>
-            </a:solidFill>
-          </a:ln>
-        </p:spPr>
-        <p:style>
-          <a:lnRef idx="2">
-            <a:schemeClr val="accent1">
-              <a:shade val="50000"/>
-            </a:schemeClr>
-          </a:lnRef>
-          <a:fillRef idx="1">
-            <a:schemeClr val="accent1"/>
-          </a:fillRef>
-          <a:effectRef idx="0">
-            <a:schemeClr val="accent1"/>
-          </a:effectRef>
-          <a:fontRef idx="minor">
-            <a:schemeClr val="lt1"/>
-          </a:fontRef>
-        </p:style>
-        <p:txBody>
-          <a:bodyPr rtlCol="0" anchor="ctr"/>
-          <a:lstStyle/>
-          <a:p>
-            <a:pPr algn="ctr"/>
-            <a:endParaRPr lang="en-US"/>
-          </a:p>
-        </p:txBody>
-      </p:sp>
-      <p:sp>
-        <p:nvSpPr>
-          <p:cNvPr id="23" name="Rectangle 22"/>
-          <p:cNvSpPr/>
-          <p:nvPr/>
-        </p:nvSpPr>
-        <p:spPr>
-          <a:xfrm>
-            <a:off x="4468905" y="3509683"/>
-            <a:ext cx="3240742" cy="3240742"/>
-          </a:xfrm>
-          <a:prstGeom prst="rect">
-            <a:avLst/>
-          </a:prstGeom>
-          <a:noFill/>
-          <a:ln w="28575">
-            <a:solidFill>
-              <a:srgbClr val="23B4A4"/>
-            </a:solidFill>
-          </a:ln>
-        </p:spPr>
-        <p:style>
-          <a:lnRef idx="2">
-            <a:schemeClr val="accent1">
-              <a:shade val="50000"/>
-            </a:schemeClr>
-          </a:lnRef>
-          <a:fillRef idx="1">
-            <a:schemeClr val="accent1"/>
-          </a:fillRef>
-          <a:effectRef idx="0">
-            <a:schemeClr val="accent1"/>
-          </a:effectRef>
-          <a:fontRef idx="minor">
-            <a:schemeClr val="lt1"/>
-          </a:fontRef>
-        </p:style>
-        <p:txBody>
-          <a:bodyPr rtlCol="0" anchor="ctr"/>
-          <a:lstStyle/>
-          <a:p>
-            <a:pPr algn="ctr"/>
-            <a:endParaRPr lang="en-US"/>
-          </a:p>
-        </p:txBody>
-      </p:sp>
-      <p:sp>
-        <p:nvSpPr>
-          <p:cNvPr id="24" name="Rectangle 23"/>
-          <p:cNvSpPr/>
-          <p:nvPr/>
-        </p:nvSpPr>
-        <p:spPr>
-          <a:xfrm>
-            <a:off x="8359587" y="3509683"/>
-            <a:ext cx="3240742" cy="3240742"/>
-          </a:xfrm>
-          <a:prstGeom prst="rect">
-            <a:avLst/>
-          </a:prstGeom>
-          <a:noFill/>
-          <a:ln w="28575">
-            <a:solidFill>
-              <a:srgbClr val="23B4A4"/>
-            </a:solidFill>
-          </a:ln>
-        </p:spPr>
-        <p:style>
-          <a:lnRef idx="2">
-            <a:schemeClr val="accent1">
-              <a:shade val="50000"/>
-            </a:schemeClr>
-          </a:lnRef>
-          <a:fillRef idx="1">
-            <a:schemeClr val="accent1"/>
-          </a:fillRef>
-          <a:effectRef idx="0">
-            <a:schemeClr val="accent1"/>
-          </a:effectRef>
-          <a:fontRef idx="minor">
-            <a:schemeClr val="lt1"/>
-          </a:fontRef>
-        </p:style>
-        <p:txBody>
-          <a:bodyPr rtlCol="0" anchor="ctr"/>
-          <a:lstStyle/>
-          <a:p>
-            <a:pPr algn="ctr"/>
-            <a:endParaRPr lang="en-US"/>
-          </a:p>
-        </p:txBody>
-      </p:sp>
       <p:grpSp>
         <p:nvGrpSpPr>
           <p:cNvPr id="2" name="Group 1"/>
@@ -4849,7 +4558,7 @@
         </p:nvGrpSpPr>
         <p:grpSpPr>
           <a:xfrm>
-            <a:off x="578223" y="80683"/>
+            <a:off x="578223" y="94130"/>
             <a:ext cx="3240742" cy="3240742"/>
             <a:chOff x="578223" y="80683"/>
             <a:chExt cx="3240742" cy="3240742"/>
@@ -5299,6 +5008,93 @@
           </p:spPr>
         </p:pic>
       </p:grpSp>
+      <p:pic>
+        <p:nvPicPr>
+          <p:cNvPr id="5" name="Picture 4"/>
+          <p:cNvPicPr>
+            <a:picLocks noChangeAspect="1"/>
+          </p:cNvPicPr>
+          <p:nvPr/>
+        </p:nvPicPr>
+        <p:blipFill rotWithShape="1">
+          <a:blip r:embed="rId6">
+            <a:extLst>
+              <a:ext uri="{28A0092B-C50C-407E-A947-70E740481C1C}">
+                <a14:useLocalDpi xmlns:a14="http://schemas.microsoft.com/office/drawing/2010/main" val="0"/>
+              </a:ext>
+            </a:extLst>
+          </a:blip>
+          <a:srcRect t="1068"/>
+          <a:stretch/>
+        </p:blipFill>
+        <p:spPr>
+          <a:xfrm>
+            <a:off x="578223" y="3469341"/>
+            <a:ext cx="3267739" cy="3281083"/>
+          </a:xfrm>
+          <a:prstGeom prst="rect">
+            <a:avLst/>
+          </a:prstGeom>
+        </p:spPr>
+      </p:pic>
+      <p:pic>
+        <p:nvPicPr>
+          <p:cNvPr id="6" name="Picture 5"/>
+          <p:cNvPicPr>
+            <a:picLocks noChangeAspect="1"/>
+          </p:cNvPicPr>
+          <p:nvPr/>
+        </p:nvPicPr>
+        <p:blipFill rotWithShape="1">
+          <a:blip r:embed="rId7">
+            <a:extLst>
+              <a:ext uri="{28A0092B-C50C-407E-A947-70E740481C1C}">
+                <a14:useLocalDpi xmlns:a14="http://schemas.microsoft.com/office/drawing/2010/main" val="0"/>
+              </a:ext>
+            </a:extLst>
+          </a:blip>
+          <a:srcRect t="1431"/>
+          <a:stretch/>
+        </p:blipFill>
+        <p:spPr>
+          <a:xfrm>
+            <a:off x="4468905" y="3469340"/>
+            <a:ext cx="3273836" cy="3281083"/>
+          </a:xfrm>
+          <a:prstGeom prst="rect">
+            <a:avLst/>
+          </a:prstGeom>
+        </p:spPr>
+      </p:pic>
+      <p:pic>
+        <p:nvPicPr>
+          <p:cNvPr id="7" name="Picture 6"/>
+          <p:cNvPicPr>
+            <a:picLocks noChangeAspect="1"/>
+          </p:cNvPicPr>
+          <p:nvPr/>
+        </p:nvPicPr>
+        <p:blipFill rotWithShape="1">
+          <a:blip r:embed="rId8">
+            <a:extLst>
+              <a:ext uri="{28A0092B-C50C-407E-A947-70E740481C1C}">
+                <a14:useLocalDpi xmlns:a14="http://schemas.microsoft.com/office/drawing/2010/main" val="0"/>
+              </a:ext>
+            </a:extLst>
+          </a:blip>
+          <a:srcRect t="1501"/>
+          <a:stretch/>
+        </p:blipFill>
+        <p:spPr>
+          <a:xfrm>
+            <a:off x="8359587" y="3469340"/>
+            <a:ext cx="3273836" cy="3278733"/>
+          </a:xfrm>
+          <a:prstGeom prst="rect">
+            <a:avLst/>
+          </a:prstGeom>
+        </p:spPr>
+      </p:pic>
     </p:spTree>
     <p:extLst>
       <p:ext uri="{BB962C8B-B14F-4D97-AF65-F5344CB8AC3E}">
@@ -5329,144 +5125,6 @@
           <a:chExt cx="0" cy="0"/>
         </a:xfrm>
       </p:grpSpPr>
-      <p:sp>
-        <p:nvSpPr>
-          <p:cNvPr id="22" name="Rectangle 21"/>
-          <p:cNvSpPr/>
-          <p:nvPr/>
-        </p:nvSpPr>
-        <p:spPr>
-          <a:xfrm>
-            <a:off x="578223" y="3509683"/>
-            <a:ext cx="3240742" cy="3240742"/>
-          </a:xfrm>
-          <a:prstGeom prst="rect">
-            <a:avLst/>
-          </a:prstGeom>
-          <a:noFill/>
-          <a:ln w="28575">
-            <a:solidFill>
-              <a:srgbClr val="23B4A4"/>
-            </a:solidFill>
-          </a:ln>
-        </p:spPr>
-        <p:style>
-          <a:lnRef idx="2">
-            <a:schemeClr val="accent1">
-              <a:shade val="50000"/>
-            </a:schemeClr>
-          </a:lnRef>
-          <a:fillRef idx="1">
-            <a:schemeClr val="accent1"/>
-          </a:fillRef>
-          <a:effectRef idx="0">
-            <a:schemeClr val="accent1"/>
-          </a:effectRef>
-          <a:fontRef idx="minor">
-            <a:schemeClr val="lt1"/>
-          </a:fontRef>
-        </p:style>
-        <p:txBody>
-          <a:bodyPr rtlCol="0" anchor="ctr"/>
-          <a:lstStyle/>
-          <a:p>
-            <a:pPr algn="ctr"/>
-            <a:endParaRPr lang="en-US"/>
-          </a:p>
-        </p:txBody>
-      </p:sp>
-      <p:sp>
-        <p:nvSpPr>
-          <p:cNvPr id="23" name="Rectangle 22"/>
-          <p:cNvSpPr/>
-          <p:nvPr/>
-        </p:nvSpPr>
-        <p:spPr>
-          <a:xfrm>
-            <a:off x="4468905" y="3509683"/>
-            <a:ext cx="3240742" cy="3240742"/>
-          </a:xfrm>
-          <a:prstGeom prst="rect">
-            <a:avLst/>
-          </a:prstGeom>
-          <a:noFill/>
-          <a:ln w="28575">
-            <a:solidFill>
-              <a:srgbClr val="23B4A4"/>
-            </a:solidFill>
-          </a:ln>
-        </p:spPr>
-        <p:style>
-          <a:lnRef idx="2">
-            <a:schemeClr val="accent1">
-              <a:shade val="50000"/>
-            </a:schemeClr>
-          </a:lnRef>
-          <a:fillRef idx="1">
-            <a:schemeClr val="accent1"/>
-          </a:fillRef>
-          <a:effectRef idx="0">
-            <a:schemeClr val="accent1"/>
-          </a:effectRef>
-          <a:fontRef idx="minor">
-            <a:schemeClr val="lt1"/>
-          </a:fontRef>
-        </p:style>
-        <p:txBody>
-          <a:bodyPr rtlCol="0" anchor="ctr"/>
-          <a:lstStyle/>
-          <a:p>
-            <a:pPr algn="ctr"/>
-            <a:endParaRPr lang="en-US"/>
-          </a:p>
-        </p:txBody>
-      </p:sp>
-      <p:sp>
-        <p:nvSpPr>
-          <p:cNvPr id="24" name="Rectangle 23"/>
-          <p:cNvSpPr/>
-          <p:nvPr/>
-        </p:nvSpPr>
-        <p:spPr>
-          <a:xfrm>
-            <a:off x="8359587" y="3509683"/>
-            <a:ext cx="3240742" cy="3240742"/>
-          </a:xfrm>
-          <a:prstGeom prst="rect">
-            <a:avLst/>
-          </a:prstGeom>
-          <a:noFill/>
-          <a:ln w="28575">
-            <a:solidFill>
-              <a:srgbClr val="23B4A4"/>
-            </a:solidFill>
-          </a:ln>
-        </p:spPr>
-        <p:style>
-          <a:lnRef idx="2">
-            <a:schemeClr val="accent1">
-              <a:shade val="50000"/>
-            </a:schemeClr>
-          </a:lnRef>
-          <a:fillRef idx="1">
-            <a:schemeClr val="accent1"/>
-          </a:fillRef>
-          <a:effectRef idx="0">
-            <a:schemeClr val="accent1"/>
-          </a:effectRef>
-          <a:fontRef idx="minor">
-            <a:schemeClr val="lt1"/>
-          </a:fontRef>
-        </p:style>
-        <p:txBody>
-          <a:bodyPr rtlCol="0" anchor="ctr"/>
-          <a:lstStyle/>
-          <a:p>
-            <a:pPr algn="ctr"/>
-            <a:endParaRPr lang="en-US"/>
-          </a:p>
-        </p:txBody>
-      </p:sp>
       <p:grpSp>
         <p:nvGrpSpPr>
           <p:cNvPr id="2" name="Group 1"/>
@@ -5475,7 +5133,7 @@
         </p:nvGrpSpPr>
         <p:grpSpPr>
           <a:xfrm>
-            <a:off x="578223" y="80683"/>
+            <a:off x="578223" y="94130"/>
             <a:ext cx="3240742" cy="3240742"/>
             <a:chOff x="578223" y="80683"/>
             <a:chExt cx="3240742" cy="3240742"/>
@@ -5612,7 +5270,7 @@
         </p:nvGrpSpPr>
         <p:grpSpPr>
           <a:xfrm>
-            <a:off x="4468905" y="80683"/>
+            <a:off x="4468905" y="107577"/>
             <a:ext cx="3240742" cy="3240742"/>
             <a:chOff x="4468905" y="80683"/>
             <a:chExt cx="3240742" cy="3240742"/>
@@ -5882,6 +5540,93 @@
           </p:spPr>
         </p:pic>
       </p:grpSp>
+      <p:pic>
+        <p:nvPicPr>
+          <p:cNvPr id="5" name="Picture 4"/>
+          <p:cNvPicPr>
+            <a:picLocks noChangeAspect="1"/>
+          </p:cNvPicPr>
+          <p:nvPr/>
+        </p:nvPicPr>
+        <p:blipFill rotWithShape="1">
+          <a:blip r:embed="rId5">
+            <a:extLst>
+              <a:ext uri="{28A0092B-C50C-407E-A947-70E740481C1C}">
+                <a14:useLocalDpi xmlns:a14="http://schemas.microsoft.com/office/drawing/2010/main" val="0"/>
+              </a:ext>
+            </a:extLst>
+          </a:blip>
+          <a:srcRect t="1068"/>
+          <a:stretch/>
+        </p:blipFill>
+        <p:spPr>
+          <a:xfrm>
+            <a:off x="578223" y="3482788"/>
+            <a:ext cx="3267739" cy="3281083"/>
+          </a:xfrm>
+          <a:prstGeom prst="rect">
+            <a:avLst/>
+          </a:prstGeom>
+        </p:spPr>
+      </p:pic>
+      <p:pic>
+        <p:nvPicPr>
+          <p:cNvPr id="6" name="Picture 5"/>
+          <p:cNvPicPr>
+            <a:picLocks noChangeAspect="1"/>
+          </p:cNvPicPr>
+          <p:nvPr/>
+        </p:nvPicPr>
+        <p:blipFill rotWithShape="1">
+          <a:blip r:embed="rId6">
+            <a:extLst>
+              <a:ext uri="{28A0092B-C50C-407E-A947-70E740481C1C}">
+                <a14:useLocalDpi xmlns:a14="http://schemas.microsoft.com/office/drawing/2010/main" val="0"/>
+              </a:ext>
+            </a:extLst>
+          </a:blip>
+          <a:srcRect l="2855" t="1068" r="2726"/>
+          <a:stretch/>
+        </p:blipFill>
+        <p:spPr>
+          <a:xfrm>
+            <a:off x="4450976" y="3482788"/>
+            <a:ext cx="3281083" cy="3281083"/>
+          </a:xfrm>
+          <a:prstGeom prst="rect">
+            <a:avLst/>
+          </a:prstGeom>
+        </p:spPr>
+      </p:pic>
+      <p:pic>
+        <p:nvPicPr>
+          <p:cNvPr id="7" name="Picture 6"/>
+          <p:cNvPicPr>
+            <a:picLocks noChangeAspect="1"/>
+          </p:cNvPicPr>
+          <p:nvPr/>
+        </p:nvPicPr>
+        <p:blipFill rotWithShape="1">
+          <a:blip r:embed="rId7">
+            <a:extLst>
+              <a:ext uri="{28A0092B-C50C-407E-A947-70E740481C1C}">
+                <a14:useLocalDpi xmlns:a14="http://schemas.microsoft.com/office/drawing/2010/main" val="0"/>
+              </a:ext>
+            </a:extLst>
+          </a:blip>
+          <a:srcRect t="1431"/>
+          <a:stretch/>
+        </p:blipFill>
+        <p:spPr>
+          <a:xfrm>
+            <a:off x="8359587" y="3482787"/>
+            <a:ext cx="3273836" cy="3281083"/>
+          </a:xfrm>
+          <a:prstGeom prst="rect">
+            <a:avLst/>
+          </a:prstGeom>
+        </p:spPr>
+      </p:pic>
     </p:spTree>
     <p:extLst>
       <p:ext uri="{BB962C8B-B14F-4D97-AF65-F5344CB8AC3E}">
@@ -5954,7 +5699,23 @@
           <a:lstStyle/>
           <a:p>
             <a:pPr algn="ctr"/>
-            <a:endParaRPr lang="en-US"/>
+            <a:r>
+              <a:rPr lang="en-US" dirty="0" smtClean="0">
+                <a:solidFill>
+                  <a:schemeClr val="bg2">
+                    <a:lumMod val="25000"/>
+                  </a:schemeClr>
+                </a:solidFill>
+              </a:rPr>
+              <a:t>This is a paragraph in 18 point Calibri font. Say hello to the world for me. My program canst say it faster than your program canst. Why am I talking like Shakespeare now? Nobody knows.</a:t>
+            </a:r>
+            <a:endParaRPr lang="en-US" dirty="0">
+              <a:solidFill>
+                <a:schemeClr val="bg2">
+                  <a:lumMod val="25000"/>
+                </a:schemeClr>
+              </a:solidFill>
+            </a:endParaRPr>
           </a:p>
         </p:txBody>
       </p:sp>
@@ -5967,144 +5728,6 @@
         <p:spPr>
           <a:xfrm>
             <a:off x="8359587" y="80683"/>
-            <a:ext cx="3240742" cy="3240742"/>
-          </a:xfrm>
-          <a:prstGeom prst="rect">
-            <a:avLst/>
-          </a:prstGeom>
-          <a:noFill/>
-          <a:ln w="28575">
-            <a:solidFill>
-              <a:srgbClr val="23B4A4"/>
-            </a:solidFill>
-          </a:ln>
-        </p:spPr>
-        <p:style>
-          <a:lnRef idx="2">
-            <a:schemeClr val="accent1">
-              <a:shade val="50000"/>
-            </a:schemeClr>
-          </a:lnRef>
-          <a:fillRef idx="1">
-            <a:schemeClr val="accent1"/>
-          </a:fillRef>
-          <a:effectRef idx="0">
-            <a:schemeClr val="accent1"/>
-          </a:effectRef>
-          <a:fontRef idx="minor">
-            <a:schemeClr val="lt1"/>
-          </a:fontRef>
-        </p:style>
-        <p:txBody>
-          <a:bodyPr rtlCol="0" anchor="ctr"/>
-          <a:lstStyle/>
-          <a:p>
-            <a:pPr algn="ctr"/>
-            <a:endParaRPr lang="en-US"/>
-          </a:p>
-        </p:txBody>
-      </p:sp>
-      <p:sp>
-        <p:nvSpPr>
-          <p:cNvPr id="22" name="Rectangle 21"/>
-          <p:cNvSpPr/>
-          <p:nvPr/>
-        </p:nvSpPr>
-        <p:spPr>
-          <a:xfrm>
-            <a:off x="578223" y="3509683"/>
-            <a:ext cx="3240742" cy="3240742"/>
-          </a:xfrm>
-          <a:prstGeom prst="rect">
-            <a:avLst/>
-          </a:prstGeom>
-          <a:noFill/>
-          <a:ln w="28575">
-            <a:solidFill>
-              <a:srgbClr val="23B4A4"/>
-            </a:solidFill>
-          </a:ln>
-        </p:spPr>
-        <p:style>
-          <a:lnRef idx="2">
-            <a:schemeClr val="accent1">
-              <a:shade val="50000"/>
-            </a:schemeClr>
-          </a:lnRef>
-          <a:fillRef idx="1">
-            <a:schemeClr val="accent1"/>
-          </a:fillRef>
-          <a:effectRef idx="0">
-            <a:schemeClr val="accent1"/>
-          </a:effectRef>
-          <a:fontRef idx="minor">
-            <a:schemeClr val="lt1"/>
-          </a:fontRef>
-        </p:style>
-        <p:txBody>
-          <a:bodyPr rtlCol="0" anchor="ctr"/>
-          <a:lstStyle/>
-          <a:p>
-            <a:pPr algn="ctr"/>
-            <a:endParaRPr lang="en-US"/>
-          </a:p>
-        </p:txBody>
-      </p:sp>
-      <p:sp>
-        <p:nvSpPr>
-          <p:cNvPr id="23" name="Rectangle 22"/>
-          <p:cNvSpPr/>
-          <p:nvPr/>
-        </p:nvSpPr>
-        <p:spPr>
-          <a:xfrm>
-            <a:off x="4468905" y="3509683"/>
-            <a:ext cx="3240742" cy="3240742"/>
-          </a:xfrm>
-          <a:prstGeom prst="rect">
-            <a:avLst/>
-          </a:prstGeom>
-          <a:noFill/>
-          <a:ln w="28575">
-            <a:solidFill>
-              <a:srgbClr val="23B4A4"/>
-            </a:solidFill>
-          </a:ln>
-        </p:spPr>
-        <p:style>
-          <a:lnRef idx="2">
-            <a:schemeClr val="accent1">
-              <a:shade val="50000"/>
-            </a:schemeClr>
-          </a:lnRef>
-          <a:fillRef idx="1">
-            <a:schemeClr val="accent1"/>
-          </a:fillRef>
-          <a:effectRef idx="0">
-            <a:schemeClr val="accent1"/>
-          </a:effectRef>
-          <a:fontRef idx="minor">
-            <a:schemeClr val="lt1"/>
-          </a:fontRef>
-        </p:style>
-        <p:txBody>
-          <a:bodyPr rtlCol="0" anchor="ctr"/>
-          <a:lstStyle/>
-          <a:p>
-            <a:pPr algn="ctr"/>
-            <a:endParaRPr lang="en-US"/>
-          </a:p>
-        </p:txBody>
-      </p:sp>
-      <p:sp>
-        <p:nvSpPr>
-          <p:cNvPr id="24" name="Rectangle 23"/>
-          <p:cNvSpPr/>
-          <p:nvPr/>
-        </p:nvSpPr>
-        <p:spPr>
-          <a:xfrm>
-            <a:off x="8359587" y="3509683"/>
             <a:ext cx="3240742" cy="3240742"/>
           </a:xfrm>
           <a:prstGeom prst="rect">
@@ -6281,6 +5904,35 @@
           </p:spPr>
         </p:pic>
       </p:grpSp>
+      <p:pic>
+        <p:nvPicPr>
+          <p:cNvPr id="3" name="Picture 2"/>
+          <p:cNvPicPr>
+            <a:picLocks noChangeAspect="1"/>
+          </p:cNvPicPr>
+          <p:nvPr/>
+        </p:nvPicPr>
+        <p:blipFill rotWithShape="1">
+          <a:blip r:embed="rId3">
+            <a:extLst>
+              <a:ext uri="{28A0092B-C50C-407E-A947-70E740481C1C}">
+                <a14:useLocalDpi xmlns:a14="http://schemas.microsoft.com/office/drawing/2010/main" val="0"/>
+              </a:ext>
+            </a:extLst>
+          </a:blip>
+          <a:srcRect t="1217"/>
+          <a:stretch/>
+        </p:blipFill>
+        <p:spPr>
+          <a:xfrm>
+            <a:off x="578223" y="3455894"/>
+            <a:ext cx="3267739" cy="3276171"/>
+          </a:xfrm>
+          <a:prstGeom prst="rect">
+            <a:avLst/>
+          </a:prstGeom>
+        </p:spPr>
+      </p:pic>
     </p:spTree>
     <p:extLst>
       <p:ext uri="{BB962C8B-B14F-4D97-AF65-F5344CB8AC3E}">

--- a/portfolio_img/portfolio.pptx
+++ b/portfolio_img/portfolio.pptx
@@ -7,10 +7,7 @@
   <p:sldIdLst>
     <p:sldId id="256" r:id="rId2"/>
     <p:sldId id="258" r:id="rId3"/>
-    <p:sldId id="259" r:id="rId4"/>
-    <p:sldId id="260" r:id="rId5"/>
-    <p:sldId id="261" r:id="rId6"/>
-    <p:sldId id="262" r:id="rId7"/>
+    <p:sldId id="262" r:id="rId4"/>
   </p:sldIdLst>
   <p:sldSz cx="12192000" cy="6858000"/>
   <p:notesSz cx="6858000" cy="9144000"/>
@@ -248,7 +245,7 @@
           <a:p>
             <a:fld id="{3B638056-2271-4463-BAE1-4AC5602DC725}" type="datetimeFigureOut">
               <a:rPr lang="en-US" smtClean="0"/>
-              <a:t>1/2/2016</a:t>
+              <a:t>9/2/17</a:t>
             </a:fld>
             <a:endParaRPr lang="en-US"/>
           </a:p>
@@ -418,7 +415,7 @@
           <a:p>
             <a:fld id="{3B638056-2271-4463-BAE1-4AC5602DC725}" type="datetimeFigureOut">
               <a:rPr lang="en-US" smtClean="0"/>
-              <a:t>1/2/2016</a:t>
+              <a:t>9/2/17</a:t>
             </a:fld>
             <a:endParaRPr lang="en-US"/>
           </a:p>
@@ -598,7 +595,7 @@
           <a:p>
             <a:fld id="{3B638056-2271-4463-BAE1-4AC5602DC725}" type="datetimeFigureOut">
               <a:rPr lang="en-US" smtClean="0"/>
-              <a:t>1/2/2016</a:t>
+              <a:t>9/2/17</a:t>
             </a:fld>
             <a:endParaRPr lang="en-US"/>
           </a:p>
@@ -768,7 +765,7 @@
           <a:p>
             <a:fld id="{3B638056-2271-4463-BAE1-4AC5602DC725}" type="datetimeFigureOut">
               <a:rPr lang="en-US" smtClean="0"/>
-              <a:t>1/2/2016</a:t>
+              <a:t>9/2/17</a:t>
             </a:fld>
             <a:endParaRPr lang="en-US"/>
           </a:p>
@@ -1014,7 +1011,7 @@
           <a:p>
             <a:fld id="{3B638056-2271-4463-BAE1-4AC5602DC725}" type="datetimeFigureOut">
               <a:rPr lang="en-US" smtClean="0"/>
-              <a:t>1/2/2016</a:t>
+              <a:t>9/2/17</a:t>
             </a:fld>
             <a:endParaRPr lang="en-US"/>
           </a:p>
@@ -1246,7 +1243,7 @@
           <a:p>
             <a:fld id="{3B638056-2271-4463-BAE1-4AC5602DC725}" type="datetimeFigureOut">
               <a:rPr lang="en-US" smtClean="0"/>
-              <a:t>1/2/2016</a:t>
+              <a:t>9/2/17</a:t>
             </a:fld>
             <a:endParaRPr lang="en-US"/>
           </a:p>
@@ -1613,7 +1610,7 @@
           <a:p>
             <a:fld id="{3B638056-2271-4463-BAE1-4AC5602DC725}" type="datetimeFigureOut">
               <a:rPr lang="en-US" smtClean="0"/>
-              <a:t>1/2/2016</a:t>
+              <a:t>9/2/17</a:t>
             </a:fld>
             <a:endParaRPr lang="en-US"/>
           </a:p>
@@ -1731,7 +1728,7 @@
           <a:p>
             <a:fld id="{3B638056-2271-4463-BAE1-4AC5602DC725}" type="datetimeFigureOut">
               <a:rPr lang="en-US" smtClean="0"/>
-              <a:t>1/2/2016</a:t>
+              <a:t>9/2/17</a:t>
             </a:fld>
             <a:endParaRPr lang="en-US"/>
           </a:p>
@@ -1826,7 +1823,7 @@
           <a:p>
             <a:fld id="{3B638056-2271-4463-BAE1-4AC5602DC725}" type="datetimeFigureOut">
               <a:rPr lang="en-US" smtClean="0"/>
-              <a:t>1/2/2016</a:t>
+              <a:t>9/2/17</a:t>
             </a:fld>
             <a:endParaRPr lang="en-US"/>
           </a:p>
@@ -2103,7 +2100,7 @@
           <a:p>
             <a:fld id="{3B638056-2271-4463-BAE1-4AC5602DC725}" type="datetimeFigureOut">
               <a:rPr lang="en-US" smtClean="0"/>
-              <a:t>1/2/2016</a:t>
+              <a:t>9/2/17</a:t>
             </a:fld>
             <a:endParaRPr lang="en-US"/>
           </a:p>
@@ -2356,7 +2353,7 @@
           <a:p>
             <a:fld id="{3B638056-2271-4463-BAE1-4AC5602DC725}" type="datetimeFigureOut">
               <a:rPr lang="en-US" smtClean="0"/>
-              <a:t>1/2/2016</a:t>
+              <a:t>9/2/17</a:t>
             </a:fld>
             <a:endParaRPr lang="en-US"/>
           </a:p>
@@ -2569,7 +2566,7 @@
           <a:p>
             <a:fld id="{3B638056-2271-4463-BAE1-4AC5602DC725}" type="datetimeFigureOut">
               <a:rPr lang="en-US" smtClean="0"/>
-              <a:t>1/2/2016</a:t>
+              <a:t>9/2/17</a:t>
             </a:fld>
             <a:endParaRPr lang="en-US"/>
           </a:p>
@@ -3101,258 +3098,6 @@
           </p:spPr>
         </p:pic>
       </p:grpSp>
-      <p:grpSp>
-        <p:nvGrpSpPr>
-          <p:cNvPr id="5" name="Group 4"/>
-          <p:cNvGrpSpPr/>
-          <p:nvPr/>
-        </p:nvGrpSpPr>
-        <p:grpSpPr>
-          <a:xfrm>
-            <a:off x="4468903" y="67236"/>
-            <a:ext cx="3240743" cy="3254189"/>
-            <a:chOff x="4468903" y="80683"/>
-            <a:chExt cx="3240743" cy="3254189"/>
-          </a:xfrm>
-        </p:grpSpPr>
-        <p:sp>
-          <p:nvSpPr>
-            <p:cNvPr id="20" name="Rectangle 19"/>
-            <p:cNvSpPr/>
-            <p:nvPr/>
-          </p:nvSpPr>
-          <p:spPr>
-            <a:xfrm>
-              <a:off x="4468905" y="80683"/>
-              <a:ext cx="3240741" cy="3254189"/>
-            </a:xfrm>
-            <a:prstGeom prst="rect">
-              <a:avLst/>
-            </a:prstGeom>
-            <a:noFill/>
-            <a:ln w="28575">
-              <a:solidFill>
-                <a:srgbClr val="23B4A4"/>
-              </a:solidFill>
-            </a:ln>
-          </p:spPr>
-          <p:style>
-            <a:lnRef idx="2">
-              <a:schemeClr val="accent1">
-                <a:shade val="50000"/>
-              </a:schemeClr>
-            </a:lnRef>
-            <a:fillRef idx="1">
-              <a:schemeClr val="accent1"/>
-            </a:fillRef>
-            <a:effectRef idx="0">
-              <a:schemeClr val="accent1"/>
-            </a:effectRef>
-            <a:fontRef idx="minor">
-              <a:schemeClr val="lt1"/>
-            </a:fontRef>
-          </p:style>
-          <p:txBody>
-            <a:bodyPr rtlCol="0" anchor="ctr"/>
-            <a:lstStyle/>
-            <a:p>
-              <a:pPr algn="ctr"/>
-              <a:endParaRPr lang="en-US"/>
-            </a:p>
-          </p:txBody>
-        </p:sp>
-        <p:sp>
-          <p:nvSpPr>
-            <p:cNvPr id="26" name="TextBox 25"/>
-            <p:cNvSpPr txBox="1"/>
-            <p:nvPr/>
-          </p:nvSpPr>
-          <p:spPr>
-            <a:xfrm>
-              <a:off x="4468903" y="94130"/>
-              <a:ext cx="3240743" cy="954107"/>
-            </a:xfrm>
-            <a:prstGeom prst="rect">
-              <a:avLst/>
-            </a:prstGeom>
-            <a:noFill/>
-          </p:spPr>
-          <p:txBody>
-            <a:bodyPr wrap="square" rtlCol="0">
-              <a:spAutoFit/>
-            </a:bodyPr>
-            <a:lstStyle/>
-            <a:p>
-              <a:pPr algn="ctr"/>
-              <a:r>
-                <a:rPr lang="en-US" sz="2700" dirty="0" smtClean="0">
-                  <a:latin typeface="Segoe UI Light" panose="020B0502040204020203" pitchFamily="34" charset="0"/>
-                  <a:cs typeface="Segoe UI Light" panose="020B0502040204020203" pitchFamily="34" charset="0"/>
-                </a:rPr>
-                <a:t>Piezoelectric Energy Conversion</a:t>
-              </a:r>
-              <a:endParaRPr lang="en-US" sz="2700" dirty="0">
-                <a:latin typeface="Segoe UI Light" panose="020B0502040204020203" pitchFamily="34" charset="0"/>
-                <a:cs typeface="Segoe UI Light" panose="020B0502040204020203" pitchFamily="34" charset="0"/>
-              </a:endParaRPr>
-            </a:p>
-          </p:txBody>
-        </p:sp>
-        <p:pic>
-          <p:nvPicPr>
-            <p:cNvPr id="29" name="Picture 28"/>
-            <p:cNvPicPr>
-              <a:picLocks noChangeAspect="1"/>
-            </p:cNvPicPr>
-            <p:nvPr/>
-          </p:nvPicPr>
-          <p:blipFill rotWithShape="1">
-            <a:blip r:embed="rId3" cstate="print">
-              <a:extLst>
-                <a:ext uri="{28A0092B-C50C-407E-A947-70E740481C1C}">
-                  <a14:useLocalDpi xmlns:a14="http://schemas.microsoft.com/office/drawing/2010/main" val="0"/>
-                </a:ext>
-              </a:extLst>
-            </a:blip>
-            <a:srcRect l="14069" r="5343"/>
-            <a:stretch/>
-          </p:blipFill>
-          <p:spPr>
-            <a:xfrm>
-              <a:off x="4951561" y="1024446"/>
-              <a:ext cx="2275427" cy="2117641"/>
-            </a:xfrm>
-            <a:prstGeom prst="rect">
-              <a:avLst/>
-            </a:prstGeom>
-          </p:spPr>
-        </p:pic>
-      </p:grpSp>
-      <p:grpSp>
-        <p:nvGrpSpPr>
-          <p:cNvPr id="4" name="Group 3"/>
-          <p:cNvGrpSpPr/>
-          <p:nvPr/>
-        </p:nvGrpSpPr>
-        <p:grpSpPr>
-          <a:xfrm>
-            <a:off x="8359587" y="94130"/>
-            <a:ext cx="3240742" cy="3240742"/>
-            <a:chOff x="8359587" y="94130"/>
-            <a:chExt cx="3240742" cy="3240742"/>
-          </a:xfrm>
-        </p:grpSpPr>
-        <p:sp>
-          <p:nvSpPr>
-            <p:cNvPr id="21" name="Rectangle 20"/>
-            <p:cNvSpPr/>
-            <p:nvPr/>
-          </p:nvSpPr>
-          <p:spPr>
-            <a:xfrm>
-              <a:off x="8359587" y="94130"/>
-              <a:ext cx="3240742" cy="3240742"/>
-            </a:xfrm>
-            <a:prstGeom prst="rect">
-              <a:avLst/>
-            </a:prstGeom>
-            <a:noFill/>
-            <a:ln w="28575">
-              <a:solidFill>
-                <a:srgbClr val="23B4A4"/>
-              </a:solidFill>
-            </a:ln>
-          </p:spPr>
-          <p:style>
-            <a:lnRef idx="2">
-              <a:schemeClr val="accent1">
-                <a:shade val="50000"/>
-              </a:schemeClr>
-            </a:lnRef>
-            <a:fillRef idx="1">
-              <a:schemeClr val="accent1"/>
-            </a:fillRef>
-            <a:effectRef idx="0">
-              <a:schemeClr val="accent1"/>
-            </a:effectRef>
-            <a:fontRef idx="minor">
-              <a:schemeClr val="lt1"/>
-            </a:fontRef>
-          </p:style>
-          <p:txBody>
-            <a:bodyPr rtlCol="0" anchor="ctr"/>
-            <a:lstStyle/>
-            <a:p>
-              <a:pPr algn="ctr"/>
-              <a:endParaRPr lang="en-US"/>
-            </a:p>
-          </p:txBody>
-        </p:sp>
-        <p:sp>
-          <p:nvSpPr>
-            <p:cNvPr id="27" name="TextBox 26"/>
-            <p:cNvSpPr txBox="1"/>
-            <p:nvPr/>
-          </p:nvSpPr>
-          <p:spPr>
-            <a:xfrm>
-              <a:off x="8359588" y="94130"/>
-              <a:ext cx="3240741" cy="523220"/>
-            </a:xfrm>
-            <a:prstGeom prst="rect">
-              <a:avLst/>
-            </a:prstGeom>
-            <a:noFill/>
-          </p:spPr>
-          <p:txBody>
-            <a:bodyPr wrap="square" rtlCol="0">
-              <a:spAutoFit/>
-            </a:bodyPr>
-            <a:lstStyle/>
-            <a:p>
-              <a:pPr algn="ctr"/>
-              <a:r>
-                <a:rPr lang="en-US" sz="2800" dirty="0" smtClean="0">
-                  <a:latin typeface="Segoe UI Light" panose="020B0502040204020203" pitchFamily="34" charset="0"/>
-                  <a:cs typeface="Segoe UI Light" panose="020B0502040204020203" pitchFamily="34" charset="0"/>
-                </a:rPr>
-                <a:t>AppBuild.r</a:t>
-              </a:r>
-              <a:endParaRPr lang="en-US" sz="2800" dirty="0">
-                <a:latin typeface="Segoe UI Light" panose="020B0502040204020203" pitchFamily="34" charset="0"/>
-                <a:cs typeface="Segoe UI Light" panose="020B0502040204020203" pitchFamily="34" charset="0"/>
-              </a:endParaRPr>
-            </a:p>
-          </p:txBody>
-        </p:sp>
-        <p:pic>
-          <p:nvPicPr>
-            <p:cNvPr id="30" name="Picture 29"/>
-            <p:cNvPicPr/>
-            <p:nvPr/>
-          </p:nvPicPr>
-          <p:blipFill rotWithShape="1">
-            <a:blip r:embed="rId4">
-              <a:extLst>
-                <a:ext uri="{28A0092B-C50C-407E-A947-70E740481C1C}">
-                  <a14:useLocalDpi xmlns:a14="http://schemas.microsoft.com/office/drawing/2010/main" val="0"/>
-                </a:ext>
-              </a:extLst>
-            </a:blip>
-            <a:srcRect t="5928" b="6115"/>
-            <a:stretch/>
-          </p:blipFill>
-          <p:spPr>
-            <a:xfrm>
-              <a:off x="8447662" y="630797"/>
-              <a:ext cx="3064592" cy="2514600"/>
-            </a:xfrm>
-            <a:prstGeom prst="rect">
-              <a:avLst/>
-            </a:prstGeom>
-          </p:spPr>
-        </p:pic>
-      </p:grpSp>
       <p:pic>
         <p:nvPicPr>
           <p:cNvPr id="6" name="Picture 5"/>
@@ -3362,7 +3107,7 @@
           <p:nvPr/>
         </p:nvPicPr>
         <p:blipFill rotWithShape="1">
-          <a:blip r:embed="rId5">
+          <a:blip r:embed="rId3">
             <a:extLst>
               <a:ext uri="{28A0092B-C50C-407E-A947-70E740481C1C}">
                 <a14:useLocalDpi xmlns:a14="http://schemas.microsoft.com/office/drawing/2010/main" val="0"/>
@@ -3382,103 +3127,15 @@
           </a:prstGeom>
         </p:spPr>
       </p:pic>
-      <p:pic>
-        <p:nvPicPr>
-          <p:cNvPr id="7" name="Picture 6"/>
-          <p:cNvPicPr>
-            <a:picLocks noChangeAspect="1"/>
-          </p:cNvPicPr>
-          <p:nvPr/>
-        </p:nvPicPr>
-        <p:blipFill rotWithShape="1">
-          <a:blip r:embed="rId6">
-            <a:extLst>
-              <a:ext uri="{28A0092B-C50C-407E-A947-70E740481C1C}">
-                <a14:useLocalDpi xmlns:a14="http://schemas.microsoft.com/office/drawing/2010/main" val="0"/>
-              </a:ext>
-            </a:extLst>
-          </a:blip>
-          <a:srcRect t="1174" r="2479"/>
-          <a:stretch/>
-        </p:blipFill>
-        <p:spPr>
-          <a:xfrm>
-            <a:off x="4444249" y="3482788"/>
-            <a:ext cx="3287810" cy="3289618"/>
-          </a:xfrm>
-          <a:prstGeom prst="rect">
-            <a:avLst/>
-          </a:prstGeom>
-        </p:spPr>
-      </p:pic>
-      <p:pic>
-        <p:nvPicPr>
-          <p:cNvPr id="8" name="Picture 7"/>
-          <p:cNvPicPr>
-            <a:picLocks noChangeAspect="1"/>
-          </p:cNvPicPr>
-          <p:nvPr/>
-        </p:nvPicPr>
-        <p:blipFill rotWithShape="1">
-          <a:blip r:embed="rId7">
-            <a:extLst>
-              <a:ext uri="{28A0092B-C50C-407E-A947-70E740481C1C}">
-                <a14:useLocalDpi xmlns:a14="http://schemas.microsoft.com/office/drawing/2010/main" val="0"/>
-              </a:ext>
-            </a:extLst>
-          </a:blip>
-          <a:srcRect t="1174"/>
-          <a:stretch/>
-        </p:blipFill>
-        <p:spPr>
-          <a:xfrm>
-            <a:off x="8357343" y="3482788"/>
-            <a:ext cx="3273836" cy="3289618"/>
-          </a:xfrm>
-          <a:prstGeom prst="rect">
-            <a:avLst/>
-          </a:prstGeom>
-        </p:spPr>
-      </p:pic>
-    </p:spTree>
-    <p:extLst>
-      <p:ext uri="{BB962C8B-B14F-4D97-AF65-F5344CB8AC3E}">
-        <p14:creationId xmlns:p14="http://schemas.microsoft.com/office/powerpoint/2010/main" val="2015101509"/>
-      </p:ext>
-    </p:extLst>
-  </p:cSld>
-  <p:clrMapOvr>
-    <a:masterClrMapping/>
-  </p:clrMapOvr>
-</p:sld>
-</file>
-
-<file path=ppt/slides/slide2.xml><?xml version="1.0" encoding="utf-8"?>
-<p:sld xmlns:a="http://schemas.openxmlformats.org/drawingml/2006/main" xmlns:r="http://schemas.openxmlformats.org/officeDocument/2006/relationships" xmlns:p="http://schemas.openxmlformats.org/presentationml/2006/main">
-  <p:cSld>
-    <p:spTree>
-      <p:nvGrpSpPr>
-        <p:cNvPr id="1" name=""/>
-        <p:cNvGrpSpPr/>
-        <p:nvPr/>
-      </p:nvGrpSpPr>
-      <p:grpSpPr>
-        <a:xfrm>
-          <a:off x="0" y="0"/>
-          <a:ext cx="0" cy="0"/>
-          <a:chOff x="0" y="0"/>
-          <a:chExt cx="0" cy="0"/>
-        </a:xfrm>
-      </p:grpSpPr>
       <p:grpSp>
         <p:nvGrpSpPr>
-          <p:cNvPr id="2" name="Group 1"/>
+          <p:cNvPr id="17" name="Group 16"/>
           <p:cNvGrpSpPr/>
           <p:nvPr/>
         </p:nvGrpSpPr>
         <p:grpSpPr>
           <a:xfrm>
-            <a:off x="578223" y="80683"/>
+            <a:off x="4450976" y="80683"/>
             <a:ext cx="3240742" cy="3240742"/>
             <a:chOff x="578223" y="80683"/>
             <a:chExt cx="3240742" cy="3240742"/>
@@ -3486,7 +3143,7 @@
         </p:grpSpPr>
         <p:sp>
           <p:nvSpPr>
-            <p:cNvPr id="19" name="Rectangle 18"/>
+            <p:cNvPr id="18" name="Rectangle 17"/>
             <p:cNvSpPr/>
             <p:nvPr/>
           </p:nvSpPr>
@@ -3532,7 +3189,7 @@
         </p:sp>
         <p:sp>
           <p:nvSpPr>
-            <p:cNvPr id="25" name="TextBox 24"/>
+            <p:cNvPr id="22" name="TextBox 21"/>
             <p:cNvSpPr txBox="1"/>
             <p:nvPr/>
           </p:nvSpPr>
@@ -3583,14 +3240,14 @@
         </p:sp>
         <p:pic>
           <p:nvPicPr>
-            <p:cNvPr id="1026" name="Picture 2" descr="http://botworks.weebly.com/uploads/6/3/3/0/6330000/1359315602.png"/>
+            <p:cNvPr id="23" name="Picture 2" descr="http://botworks.weebly.com/uploads/6/3/3/0/6330000/1359315602.png"/>
             <p:cNvPicPr>
               <a:picLocks noChangeAspect="1" noChangeArrowheads="1"/>
             </p:cNvPicPr>
             <p:nvPr/>
           </p:nvPicPr>
           <p:blipFill>
-            <a:blip r:embed="rId2">
+            <a:blip r:embed="rId4">
               <a:extLst>
                 <a:ext uri="{28A0092B-C50C-407E-A947-70E740481C1C}">
                   <a14:useLocalDpi xmlns:a14="http://schemas.microsoft.com/office/drawing/2010/main" val="0"/>
@@ -3623,15 +3280,242 @@
           </p:spPr>
         </p:pic>
       </p:grpSp>
+      <p:pic>
+        <p:nvPicPr>
+          <p:cNvPr id="24" name="Picture 23"/>
+          <p:cNvPicPr>
+            <a:picLocks noChangeAspect="1"/>
+          </p:cNvPicPr>
+          <p:nvPr/>
+        </p:nvPicPr>
+        <p:blipFill rotWithShape="1">
+          <a:blip r:embed="rId5">
+            <a:extLst>
+              <a:ext uri="{28A0092B-C50C-407E-A947-70E740481C1C}">
+                <a14:useLocalDpi xmlns:a14="http://schemas.microsoft.com/office/drawing/2010/main" val="0"/>
+              </a:ext>
+            </a:extLst>
+          </a:blip>
+          <a:srcRect t="1068" r="1431"/>
+          <a:stretch/>
+        </p:blipFill>
+        <p:spPr>
+          <a:xfrm>
+            <a:off x="4450976" y="3509682"/>
+            <a:ext cx="3281083" cy="3281083"/>
+          </a:xfrm>
+          <a:prstGeom prst="rect">
+            <a:avLst/>
+          </a:prstGeom>
+        </p:spPr>
+      </p:pic>
       <p:grpSp>
         <p:nvGrpSpPr>
-          <p:cNvPr id="3" name="Group 2"/>
+          <p:cNvPr id="31" name="Group 30"/>
           <p:cNvGrpSpPr/>
           <p:nvPr/>
         </p:nvGrpSpPr>
         <p:grpSpPr>
           <a:xfrm>
-            <a:off x="4468905" y="107577"/>
+            <a:off x="8312961" y="94130"/>
+            <a:ext cx="3240742" cy="3240742"/>
+            <a:chOff x="578223" y="80683"/>
+            <a:chExt cx="3240742" cy="3240742"/>
+          </a:xfrm>
+        </p:grpSpPr>
+        <p:sp>
+          <p:nvSpPr>
+            <p:cNvPr id="32" name="Rectangle 31"/>
+            <p:cNvSpPr/>
+            <p:nvPr/>
+          </p:nvSpPr>
+          <p:spPr>
+            <a:xfrm>
+              <a:off x="578223" y="80683"/>
+              <a:ext cx="3240742" cy="3240742"/>
+            </a:xfrm>
+            <a:prstGeom prst="rect">
+              <a:avLst/>
+            </a:prstGeom>
+            <a:noFill/>
+            <a:ln w="28575">
+              <a:solidFill>
+                <a:srgbClr val="23B4A4"/>
+              </a:solidFill>
+            </a:ln>
+          </p:spPr>
+          <p:style>
+            <a:lnRef idx="2">
+              <a:schemeClr val="accent1">
+                <a:shade val="50000"/>
+              </a:schemeClr>
+            </a:lnRef>
+            <a:fillRef idx="1">
+              <a:schemeClr val="accent1"/>
+            </a:fillRef>
+            <a:effectRef idx="0">
+              <a:schemeClr val="accent1"/>
+            </a:effectRef>
+            <a:fontRef idx="minor">
+              <a:schemeClr val="lt1"/>
+            </a:fontRef>
+          </p:style>
+          <p:txBody>
+            <a:bodyPr rtlCol="0" anchor="ctr"/>
+            <a:lstStyle/>
+            <a:p>
+              <a:pPr algn="ctr"/>
+              <a:endParaRPr lang="en-US" dirty="0"/>
+            </a:p>
+          </p:txBody>
+        </p:sp>
+        <p:sp>
+          <p:nvSpPr>
+            <p:cNvPr id="33" name="TextBox 32"/>
+            <p:cNvSpPr txBox="1"/>
+            <p:nvPr/>
+          </p:nvSpPr>
+          <p:spPr>
+            <a:xfrm>
+              <a:off x="578224" y="94130"/>
+              <a:ext cx="3240741" cy="954107"/>
+            </a:xfrm>
+            <a:prstGeom prst="rect">
+              <a:avLst/>
+            </a:prstGeom>
+            <a:noFill/>
+          </p:spPr>
+          <p:txBody>
+            <a:bodyPr wrap="square" rtlCol="0">
+              <a:spAutoFit/>
+            </a:bodyPr>
+            <a:lstStyle/>
+            <a:p>
+              <a:pPr algn="ctr"/>
+              <a:r>
+                <a:rPr lang="en-US" sz="2800" dirty="0" smtClean="0">
+                  <a:latin typeface="Segoe UI Light" panose="020B0502040204020203" pitchFamily="34" charset="0"/>
+                  <a:cs typeface="Segoe UI Light" panose="020B0502040204020203" pitchFamily="34" charset="0"/>
+                </a:rPr>
+                <a:t>Stanford Summer Institutes</a:t>
+              </a:r>
+              <a:endParaRPr lang="en-US" sz="2800" dirty="0">
+                <a:latin typeface="Segoe UI Light" panose="020B0502040204020203" pitchFamily="34" charset="0"/>
+                <a:cs typeface="Segoe UI Light" panose="020B0502040204020203" pitchFamily="34" charset="0"/>
+              </a:endParaRPr>
+            </a:p>
+          </p:txBody>
+        </p:sp>
+        <p:pic>
+          <p:nvPicPr>
+            <p:cNvPr id="34" name="Picture 6" descr="http://magoosh.com/gre/files/2013/07/stanford_logo.png"/>
+            <p:cNvPicPr>
+              <a:picLocks noChangeAspect="1" noChangeArrowheads="1"/>
+            </p:cNvPicPr>
+            <p:nvPr/>
+          </p:nvPicPr>
+          <p:blipFill>
+            <a:blip r:embed="rId6" cstate="print">
+              <a:extLst>
+                <a:ext uri="{28A0092B-C50C-407E-A947-70E740481C1C}">
+                  <a14:useLocalDpi xmlns:a14="http://schemas.microsoft.com/office/drawing/2010/main" val="0"/>
+                </a:ext>
+              </a:extLst>
+            </a:blip>
+            <a:srcRect/>
+            <a:stretch>
+              <a:fillRect/>
+            </a:stretch>
+          </p:blipFill>
+          <p:spPr bwMode="auto">
+            <a:xfrm>
+              <a:off x="1440742" y="1048237"/>
+              <a:ext cx="1515704" cy="2255932"/>
+            </a:xfrm>
+            <a:prstGeom prst="rect">
+              <a:avLst/>
+            </a:prstGeom>
+            <a:noFill/>
+            <a:extLst>
+              <a:ext uri="{909E8E84-426E-40DD-AFC4-6F175D3DCCD1}">
+                <a14:hiddenFill xmlns:a14="http://schemas.microsoft.com/office/drawing/2010/main">
+                  <a:solidFill>
+                    <a:srgbClr val="FFFFFF"/>
+                  </a:solidFill>
+                </a14:hiddenFill>
+              </a:ext>
+            </a:extLst>
+          </p:spPr>
+        </p:pic>
+      </p:grpSp>
+      <p:pic>
+        <p:nvPicPr>
+          <p:cNvPr id="35" name="Picture 34"/>
+          <p:cNvPicPr>
+            <a:picLocks noChangeAspect="1"/>
+          </p:cNvPicPr>
+          <p:nvPr/>
+        </p:nvPicPr>
+        <p:blipFill rotWithShape="1">
+          <a:blip r:embed="rId7">
+            <a:extLst>
+              <a:ext uri="{28A0092B-C50C-407E-A947-70E740481C1C}">
+                <a14:useLocalDpi xmlns:a14="http://schemas.microsoft.com/office/drawing/2010/main" val="0"/>
+              </a:ext>
+            </a:extLst>
+          </a:blip>
+          <a:srcRect t="1068"/>
+          <a:stretch/>
+        </p:blipFill>
+        <p:spPr>
+          <a:xfrm>
+            <a:off x="8312961" y="3482788"/>
+            <a:ext cx="3267739" cy="3281083"/>
+          </a:xfrm>
+          <a:prstGeom prst="rect">
+            <a:avLst/>
+          </a:prstGeom>
+        </p:spPr>
+      </p:pic>
+    </p:spTree>
+    <p:extLst>
+      <p:ext uri="{BB962C8B-B14F-4D97-AF65-F5344CB8AC3E}">
+        <p14:creationId xmlns:p14="http://schemas.microsoft.com/office/powerpoint/2010/main" val="2015101509"/>
+      </p:ext>
+    </p:extLst>
+  </p:cSld>
+  <p:clrMapOvr>
+    <a:masterClrMapping/>
+  </p:clrMapOvr>
+</p:sld>
+</file>
+
+<file path=ppt/slides/slide2.xml><?xml version="1.0" encoding="utf-8"?>
+<p:sld xmlns:a="http://schemas.openxmlformats.org/drawingml/2006/main" xmlns:r="http://schemas.openxmlformats.org/officeDocument/2006/relationships" xmlns:p="http://schemas.openxmlformats.org/presentationml/2006/main">
+  <p:cSld>
+    <p:spTree>
+      <p:nvGrpSpPr>
+        <p:cNvPr id="1" name=""/>
+        <p:cNvGrpSpPr/>
+        <p:nvPr/>
+      </p:nvGrpSpPr>
+      <p:grpSpPr>
+        <a:xfrm>
+          <a:off x="0" y="0"/>
+          <a:ext cx="0" cy="0"/>
+          <a:chOff x="0" y="0"/>
+          <a:chExt cx="0" cy="0"/>
+        </a:xfrm>
+      </p:grpSpPr>
+      <p:grpSp>
+        <p:nvGrpSpPr>
+          <p:cNvPr id="17" name="Group 16"/>
+          <p:cNvGrpSpPr/>
+          <p:nvPr/>
+        </p:nvGrpSpPr>
+        <p:grpSpPr>
+          <a:xfrm>
+            <a:off x="596161" y="94130"/>
             <a:ext cx="3240742" cy="3240742"/>
             <a:chOff x="4468905" y="94130"/>
             <a:chExt cx="3240742" cy="3240742"/>
@@ -3639,7 +3523,7 @@
         </p:grpSpPr>
         <p:sp>
           <p:nvSpPr>
-            <p:cNvPr id="20" name="Rectangle 19"/>
+            <p:cNvPr id="18" name="Rectangle 17"/>
             <p:cNvSpPr/>
             <p:nvPr/>
           </p:nvSpPr>
@@ -3685,402 +3569,7 @@
         </p:sp>
         <p:sp>
           <p:nvSpPr>
-            <p:cNvPr id="15" name="TextBox 14"/>
-            <p:cNvSpPr txBox="1"/>
-            <p:nvPr/>
-          </p:nvSpPr>
-          <p:spPr>
-            <a:xfrm>
-              <a:off x="4468906" y="94130"/>
-              <a:ext cx="3240741" cy="523220"/>
-            </a:xfrm>
-            <a:prstGeom prst="rect">
-              <a:avLst/>
-            </a:prstGeom>
-            <a:noFill/>
-          </p:spPr>
-          <p:txBody>
-            <a:bodyPr wrap="square" rtlCol="0">
-              <a:spAutoFit/>
-            </a:bodyPr>
-            <a:lstStyle/>
-            <a:p>
-              <a:pPr algn="ctr"/>
-              <a:r>
-                <a:rPr lang="en-US" sz="2800" dirty="0" smtClean="0">
-                  <a:latin typeface="Segoe UI Light" panose="020B0502040204020203" pitchFamily="34" charset="0"/>
-                  <a:cs typeface="Segoe UI Light" panose="020B0502040204020203" pitchFamily="34" charset="0"/>
-                </a:rPr>
-                <a:t>Dabkick</a:t>
-              </a:r>
-              <a:endParaRPr lang="en-US" sz="2800" dirty="0">
-                <a:latin typeface="Segoe UI Light" panose="020B0502040204020203" pitchFamily="34" charset="0"/>
-                <a:cs typeface="Segoe UI Light" panose="020B0502040204020203" pitchFamily="34" charset="0"/>
-              </a:endParaRPr>
-            </a:p>
-          </p:txBody>
-        </p:sp>
-        <p:pic>
-          <p:nvPicPr>
-            <p:cNvPr id="1030" name="Picture 6" descr="https://pbs.twimg.com/profile_images/585526730103922688/OWwY_RNI.png"/>
-            <p:cNvPicPr>
-              <a:picLocks noChangeAspect="1" noChangeArrowheads="1"/>
-            </p:cNvPicPr>
-            <p:nvPr/>
-          </p:nvPicPr>
-          <p:blipFill>
-            <a:blip r:embed="rId3">
-              <a:extLst>
-                <a:ext uri="{28A0092B-C50C-407E-A947-70E740481C1C}">
-                  <a14:useLocalDpi xmlns:a14="http://schemas.microsoft.com/office/drawing/2010/main" val="0"/>
-                </a:ext>
-              </a:extLst>
-            </a:blip>
-            <a:srcRect/>
-            <a:stretch>
-              <a:fillRect/>
-            </a:stretch>
-          </p:blipFill>
-          <p:spPr bwMode="auto">
-            <a:xfrm>
-              <a:off x="4862793" y="749627"/>
-              <a:ext cx="2452966" cy="2452967"/>
-            </a:xfrm>
-            <a:prstGeom prst="rect">
-              <a:avLst/>
-            </a:prstGeom>
-            <a:noFill/>
-            <a:extLst>
-              <a:ext uri="{909E8E84-426E-40DD-AFC4-6F175D3DCCD1}">
-                <a14:hiddenFill xmlns:a14="http://schemas.microsoft.com/office/drawing/2010/main">
-                  <a:solidFill>
-                    <a:srgbClr val="FFFFFF"/>
-                  </a:solidFill>
-                </a14:hiddenFill>
-              </a:ext>
-            </a:extLst>
-          </p:spPr>
-        </p:pic>
-      </p:grpSp>
-      <p:grpSp>
-        <p:nvGrpSpPr>
-          <p:cNvPr id="4" name="Group 3"/>
-          <p:cNvGrpSpPr/>
-          <p:nvPr/>
-        </p:nvGrpSpPr>
-        <p:grpSpPr>
-          <a:xfrm>
-            <a:off x="8359587" y="94130"/>
-            <a:ext cx="3240742" cy="3240742"/>
-            <a:chOff x="8359587" y="94130"/>
-            <a:chExt cx="3240742" cy="3240742"/>
-          </a:xfrm>
-        </p:grpSpPr>
-        <p:sp>
-          <p:nvSpPr>
-            <p:cNvPr id="21" name="Rectangle 20"/>
-            <p:cNvSpPr/>
-            <p:nvPr/>
-          </p:nvSpPr>
-          <p:spPr>
-            <a:xfrm>
-              <a:off x="8359587" y="94130"/>
-              <a:ext cx="3240742" cy="3240742"/>
-            </a:xfrm>
-            <a:prstGeom prst="rect">
-              <a:avLst/>
-            </a:prstGeom>
-            <a:noFill/>
-            <a:ln w="28575">
-              <a:solidFill>
-                <a:srgbClr val="23B4A4"/>
-              </a:solidFill>
-            </a:ln>
-          </p:spPr>
-          <p:style>
-            <a:lnRef idx="2">
-              <a:schemeClr val="accent1">
-                <a:shade val="50000"/>
-              </a:schemeClr>
-            </a:lnRef>
-            <a:fillRef idx="1">
-              <a:schemeClr val="accent1"/>
-            </a:fillRef>
-            <a:effectRef idx="0">
-              <a:schemeClr val="accent1"/>
-            </a:effectRef>
-            <a:fontRef idx="minor">
-              <a:schemeClr val="lt1"/>
-            </a:fontRef>
-          </p:style>
-          <p:txBody>
-            <a:bodyPr rtlCol="0" anchor="ctr"/>
-            <a:lstStyle/>
-            <a:p>
-              <a:pPr algn="ctr"/>
-              <a:endParaRPr lang="en-US"/>
-            </a:p>
-          </p:txBody>
-        </p:sp>
-        <p:sp>
-          <p:nvSpPr>
-            <p:cNvPr id="14" name="TextBox 13"/>
-            <p:cNvSpPr txBox="1"/>
-            <p:nvPr/>
-          </p:nvSpPr>
-          <p:spPr>
-            <a:xfrm>
-              <a:off x="8359588" y="94130"/>
-              <a:ext cx="3240741" cy="523220"/>
-            </a:xfrm>
-            <a:prstGeom prst="rect">
-              <a:avLst/>
-            </a:prstGeom>
-            <a:noFill/>
-          </p:spPr>
-          <p:txBody>
-            <a:bodyPr wrap="square" rtlCol="0">
-              <a:spAutoFit/>
-            </a:bodyPr>
-            <a:lstStyle/>
-            <a:p>
-              <a:pPr algn="ctr"/>
-              <a:r>
-                <a:rPr lang="en-US" sz="2800" dirty="0" smtClean="0">
-                  <a:latin typeface="Segoe UI Light" panose="020B0502040204020203" pitchFamily="34" charset="0"/>
-                  <a:cs typeface="Segoe UI Light" panose="020B0502040204020203" pitchFamily="34" charset="0"/>
-                </a:rPr>
-                <a:t>Scry Analytics</a:t>
-              </a:r>
-              <a:endParaRPr lang="en-US" sz="2800" dirty="0">
-                <a:latin typeface="Segoe UI Light" panose="020B0502040204020203" pitchFamily="34" charset="0"/>
-                <a:cs typeface="Segoe UI Light" panose="020B0502040204020203" pitchFamily="34" charset="0"/>
-              </a:endParaRPr>
-            </a:p>
-          </p:txBody>
-        </p:sp>
-        <p:pic>
-          <p:nvPicPr>
-            <p:cNvPr id="1032" name="Picture 8" descr="Logo"/>
-            <p:cNvPicPr>
-              <a:picLocks noChangeAspect="1" noChangeArrowheads="1"/>
-            </p:cNvPicPr>
-            <p:nvPr/>
-          </p:nvPicPr>
-          <p:blipFill>
-            <a:blip r:embed="rId4">
-              <a:extLst>
-                <a:ext uri="{28A0092B-C50C-407E-A947-70E740481C1C}">
-                  <a14:useLocalDpi xmlns:a14="http://schemas.microsoft.com/office/drawing/2010/main" val="0"/>
-                </a:ext>
-              </a:extLst>
-            </a:blip>
-            <a:srcRect/>
-            <a:stretch>
-              <a:fillRect/>
-            </a:stretch>
-          </p:blipFill>
-          <p:spPr bwMode="auto">
-            <a:xfrm>
-              <a:off x="8399229" y="1341100"/>
-              <a:ext cx="3161458" cy="746802"/>
-            </a:xfrm>
-            <a:prstGeom prst="rect">
-              <a:avLst/>
-            </a:prstGeom>
-            <a:noFill/>
-            <a:extLst>
-              <a:ext uri="{909E8E84-426E-40DD-AFC4-6F175D3DCCD1}">
-                <a14:hiddenFill xmlns:a14="http://schemas.microsoft.com/office/drawing/2010/main">
-                  <a:solidFill>
-                    <a:srgbClr val="FFFFFF"/>
-                  </a:solidFill>
-                </a14:hiddenFill>
-              </a:ext>
-            </a:extLst>
-          </p:spPr>
-        </p:pic>
-      </p:grpSp>
-      <p:pic>
-        <p:nvPicPr>
-          <p:cNvPr id="6" name="Picture 5"/>
-          <p:cNvPicPr>
-            <a:picLocks noChangeAspect="1"/>
-          </p:cNvPicPr>
-          <p:nvPr/>
-        </p:nvPicPr>
-        <p:blipFill rotWithShape="1">
-          <a:blip r:embed="rId5">
-            <a:extLst>
-              <a:ext uri="{28A0092B-C50C-407E-A947-70E740481C1C}">
-                <a14:useLocalDpi xmlns:a14="http://schemas.microsoft.com/office/drawing/2010/main" val="0"/>
-              </a:ext>
-            </a:extLst>
-          </a:blip>
-          <a:srcRect t="1068" r="1431"/>
-          <a:stretch/>
-        </p:blipFill>
-        <p:spPr>
-          <a:xfrm>
-            <a:off x="578223" y="3509682"/>
-            <a:ext cx="3281083" cy="3281083"/>
-          </a:xfrm>
-          <a:prstGeom prst="rect">
-            <a:avLst/>
-          </a:prstGeom>
-        </p:spPr>
-      </p:pic>
-      <p:pic>
-        <p:nvPicPr>
-          <p:cNvPr id="7" name="Picture 6"/>
-          <p:cNvPicPr>
-            <a:picLocks noChangeAspect="1"/>
-          </p:cNvPicPr>
-          <p:nvPr/>
-        </p:nvPicPr>
-        <p:blipFill rotWithShape="1">
-          <a:blip r:embed="rId6">
-            <a:extLst>
-              <a:ext uri="{28A0092B-C50C-407E-A947-70E740481C1C}">
-                <a14:useLocalDpi xmlns:a14="http://schemas.microsoft.com/office/drawing/2010/main" val="0"/>
-              </a:ext>
-            </a:extLst>
-          </a:blip>
-          <a:srcRect t="1431"/>
-          <a:stretch/>
-        </p:blipFill>
-        <p:spPr>
-          <a:xfrm>
-            <a:off x="4468905" y="3509681"/>
-            <a:ext cx="3273836" cy="3281083"/>
-          </a:xfrm>
-          <a:prstGeom prst="rect">
-            <a:avLst/>
-          </a:prstGeom>
-        </p:spPr>
-      </p:pic>
-      <p:pic>
-        <p:nvPicPr>
-          <p:cNvPr id="8" name="Picture 7"/>
-          <p:cNvPicPr>
-            <a:picLocks noChangeAspect="1"/>
-          </p:cNvPicPr>
-          <p:nvPr/>
-        </p:nvPicPr>
-        <p:blipFill rotWithShape="1">
-          <a:blip r:embed="rId7">
-            <a:extLst>
-              <a:ext uri="{28A0092B-C50C-407E-A947-70E740481C1C}">
-                <a14:useLocalDpi xmlns:a14="http://schemas.microsoft.com/office/drawing/2010/main" val="0"/>
-              </a:ext>
-            </a:extLst>
-          </a:blip>
-          <a:srcRect t="1431" b="-1"/>
-          <a:stretch/>
-        </p:blipFill>
-        <p:spPr>
-          <a:xfrm>
-            <a:off x="8359587" y="3509682"/>
-            <a:ext cx="3273836" cy="3281082"/>
-          </a:xfrm>
-          <a:prstGeom prst="rect">
-            <a:avLst/>
-          </a:prstGeom>
-        </p:spPr>
-      </p:pic>
-    </p:spTree>
-    <p:extLst>
-      <p:ext uri="{BB962C8B-B14F-4D97-AF65-F5344CB8AC3E}">
-        <p14:creationId xmlns:p14="http://schemas.microsoft.com/office/powerpoint/2010/main" val="620853128"/>
-      </p:ext>
-    </p:extLst>
-  </p:cSld>
-  <p:clrMapOvr>
-    <a:masterClrMapping/>
-  </p:clrMapOvr>
-</p:sld>
-</file>
-
-<file path=ppt/slides/slide3.xml><?xml version="1.0" encoding="utf-8"?>
-<p:sld xmlns:a="http://schemas.openxmlformats.org/drawingml/2006/main" xmlns:r="http://schemas.openxmlformats.org/officeDocument/2006/relationships" xmlns:p="http://schemas.openxmlformats.org/presentationml/2006/main">
-  <p:cSld>
-    <p:spTree>
-      <p:nvGrpSpPr>
-        <p:cNvPr id="1" name=""/>
-        <p:cNvGrpSpPr/>
-        <p:nvPr/>
-      </p:nvGrpSpPr>
-      <p:grpSpPr>
-        <a:xfrm>
-          <a:off x="0" y="0"/>
-          <a:ext cx="0" cy="0"/>
-          <a:chOff x="0" y="0"/>
-          <a:chExt cx="0" cy="0"/>
-        </a:xfrm>
-      </p:grpSpPr>
-      <p:grpSp>
-        <p:nvGrpSpPr>
-          <p:cNvPr id="3" name="Group 2"/>
-          <p:cNvGrpSpPr/>
-          <p:nvPr/>
-        </p:nvGrpSpPr>
-        <p:grpSpPr>
-          <a:xfrm>
-            <a:off x="4468905" y="94130"/>
-            <a:ext cx="3240742" cy="3240742"/>
-            <a:chOff x="4468905" y="94130"/>
-            <a:chExt cx="3240742" cy="3240742"/>
-          </a:xfrm>
-        </p:grpSpPr>
-        <p:sp>
-          <p:nvSpPr>
-            <p:cNvPr id="20" name="Rectangle 19"/>
-            <p:cNvSpPr/>
-            <p:nvPr/>
-          </p:nvSpPr>
-          <p:spPr>
-            <a:xfrm>
-              <a:off x="4468905" y="94130"/>
-              <a:ext cx="3240742" cy="3240742"/>
-            </a:xfrm>
-            <a:prstGeom prst="rect">
-              <a:avLst/>
-            </a:prstGeom>
-            <a:noFill/>
-            <a:ln w="28575">
-              <a:solidFill>
-                <a:srgbClr val="23B4A4"/>
-              </a:solidFill>
-            </a:ln>
-          </p:spPr>
-          <p:style>
-            <a:lnRef idx="2">
-              <a:schemeClr val="accent1">
-                <a:shade val="50000"/>
-              </a:schemeClr>
-            </a:lnRef>
-            <a:fillRef idx="1">
-              <a:schemeClr val="accent1"/>
-            </a:fillRef>
-            <a:effectRef idx="0">
-              <a:schemeClr val="accent1"/>
-            </a:effectRef>
-            <a:fontRef idx="minor">
-              <a:schemeClr val="lt1"/>
-            </a:fontRef>
-          </p:style>
-          <p:txBody>
-            <a:bodyPr rtlCol="0" anchor="ctr"/>
-            <a:lstStyle/>
-            <a:p>
-              <a:pPr algn="ctr"/>
-              <a:endParaRPr lang="en-US"/>
-            </a:p>
-          </p:txBody>
-        </p:sp>
-        <p:sp>
-          <p:nvSpPr>
-            <p:cNvPr id="15" name="TextBox 14"/>
+            <p:cNvPr id="22" name="TextBox 21"/>
             <p:cNvSpPr txBox="1"/>
             <p:nvPr/>
           </p:nvSpPr>
@@ -4117,7 +3606,7 @@
         </p:sp>
         <p:pic>
           <p:nvPicPr>
-            <p:cNvPr id="2052" name="Picture 4" descr="https://www.law.berkeley.edu/img/bclt_businessinnovation.jpg"/>
+            <p:cNvPr id="23" name="Picture 22" descr="https://www.law.berkeley.edu/img/bclt_businessinnovation.jpg"/>
             <p:cNvPicPr>
               <a:picLocks noChangeAspect="1" noChangeArrowheads="1"/>
             </p:cNvPicPr>
@@ -4157,251 +3646,156 @@
           </p:spPr>
         </p:pic>
       </p:grpSp>
+      <p:pic>
+        <p:nvPicPr>
+          <p:cNvPr id="24" name="Picture 23"/>
+          <p:cNvPicPr>
+            <a:picLocks noChangeAspect="1"/>
+          </p:cNvPicPr>
+          <p:nvPr/>
+        </p:nvPicPr>
+        <p:blipFill rotWithShape="1">
+          <a:blip r:embed="rId3">
+            <a:extLst>
+              <a:ext uri="{28A0092B-C50C-407E-A947-70E740481C1C}">
+                <a14:useLocalDpi xmlns:a14="http://schemas.microsoft.com/office/drawing/2010/main" val="0"/>
+              </a:ext>
+            </a:extLst>
+          </a:blip>
+          <a:srcRect t="1431"/>
+          <a:stretch/>
+        </p:blipFill>
+        <p:spPr>
+          <a:xfrm>
+            <a:off x="596161" y="3482787"/>
+            <a:ext cx="3273836" cy="3281083"/>
+          </a:xfrm>
+          <a:prstGeom prst="rect">
+            <a:avLst/>
+          </a:prstGeom>
+        </p:spPr>
+      </p:pic>
       <p:grpSp>
         <p:nvGrpSpPr>
-          <p:cNvPr id="2" name="Group 1"/>
+          <p:cNvPr id="10" name="Group 9"/>
           <p:cNvGrpSpPr/>
           <p:nvPr/>
         </p:nvGrpSpPr>
         <p:grpSpPr>
           <a:xfrm>
-            <a:off x="578223" y="94130"/>
+            <a:off x="4449192" y="94130"/>
             <a:ext cx="3240742" cy="3240742"/>
-            <a:chOff x="578223" y="80683"/>
+            <a:chOff x="4449192" y="94130"/>
             <a:chExt cx="3240742" cy="3240742"/>
           </a:xfrm>
         </p:grpSpPr>
-        <p:sp>
-          <p:nvSpPr>
-            <p:cNvPr id="19" name="Rectangle 18"/>
-            <p:cNvSpPr/>
+        <p:grpSp>
+          <p:nvGrpSpPr>
+            <p:cNvPr id="27" name="Group 26"/>
+            <p:cNvGrpSpPr/>
             <p:nvPr/>
-          </p:nvSpPr>
-          <p:spPr>
+          </p:nvGrpSpPr>
+          <p:grpSpPr>
             <a:xfrm>
-              <a:off x="578223" y="80683"/>
+              <a:off x="4449192" y="94130"/>
               <a:ext cx="3240742" cy="3240742"/>
+              <a:chOff x="4468905" y="94130"/>
+              <a:chExt cx="3240742" cy="3240742"/>
             </a:xfrm>
-            <a:prstGeom prst="rect">
-              <a:avLst/>
-            </a:prstGeom>
-            <a:noFill/>
-            <a:ln w="28575">
-              <a:solidFill>
-                <a:srgbClr val="23B4A4"/>
-              </a:solidFill>
-            </a:ln>
-          </p:spPr>
-          <p:style>
-            <a:lnRef idx="2">
-              <a:schemeClr val="accent1">
-                <a:shade val="50000"/>
-              </a:schemeClr>
-            </a:lnRef>
-            <a:fillRef idx="1">
-              <a:schemeClr val="accent1"/>
-            </a:fillRef>
-            <a:effectRef idx="0">
-              <a:schemeClr val="accent1"/>
-            </a:effectRef>
-            <a:fontRef idx="minor">
-              <a:schemeClr val="lt1"/>
-            </a:fontRef>
-          </p:style>
-          <p:txBody>
-            <a:bodyPr rtlCol="0" anchor="ctr"/>
-            <a:lstStyle/>
-            <a:p>
-              <a:pPr algn="ctr"/>
-              <a:endParaRPr lang="en-US" dirty="0"/>
-            </a:p>
-          </p:txBody>
-        </p:sp>
-        <p:sp>
-          <p:nvSpPr>
-            <p:cNvPr id="25" name="TextBox 24"/>
-            <p:cNvSpPr txBox="1"/>
-            <p:nvPr/>
-          </p:nvSpPr>
-          <p:spPr>
-            <a:xfrm>
-              <a:off x="578224" y="94130"/>
-              <a:ext cx="3240741" cy="954107"/>
-            </a:xfrm>
-            <a:prstGeom prst="rect">
-              <a:avLst/>
-            </a:prstGeom>
-            <a:noFill/>
-          </p:spPr>
-          <p:txBody>
-            <a:bodyPr wrap="square" rtlCol="0">
-              <a:spAutoFit/>
-            </a:bodyPr>
-            <a:lstStyle/>
-            <a:p>
-              <a:pPr algn="ctr"/>
-              <a:r>
-                <a:rPr lang="en-US" sz="2800" dirty="0" smtClean="0">
+          </p:grpSpPr>
+          <p:sp>
+            <p:nvSpPr>
+              <p:cNvPr id="28" name="Rectangle 27"/>
+              <p:cNvSpPr/>
+              <p:nvPr/>
+            </p:nvSpPr>
+            <p:spPr>
+              <a:xfrm>
+                <a:off x="4468905" y="94130"/>
+                <a:ext cx="3240742" cy="3240742"/>
+              </a:xfrm>
+              <a:prstGeom prst="rect">
+                <a:avLst/>
+              </a:prstGeom>
+              <a:noFill/>
+              <a:ln w="28575">
+                <a:solidFill>
+                  <a:srgbClr val="23B4A4"/>
+                </a:solidFill>
+              </a:ln>
+            </p:spPr>
+            <p:style>
+              <a:lnRef idx="2">
+                <a:schemeClr val="accent1">
+                  <a:shade val="50000"/>
+                </a:schemeClr>
+              </a:lnRef>
+              <a:fillRef idx="1">
+                <a:schemeClr val="accent1"/>
+              </a:fillRef>
+              <a:effectRef idx="0">
+                <a:schemeClr val="accent1"/>
+              </a:effectRef>
+              <a:fontRef idx="minor">
+                <a:schemeClr val="lt1"/>
+              </a:fontRef>
+            </p:style>
+            <p:txBody>
+              <a:bodyPr rtlCol="0" anchor="ctr"/>
+              <a:lstStyle/>
+              <a:p>
+                <a:pPr algn="ctr"/>
+                <a:endParaRPr lang="en-US"/>
+              </a:p>
+            </p:txBody>
+          </p:sp>
+          <p:sp>
+            <p:nvSpPr>
+              <p:cNvPr id="29" name="TextBox 28"/>
+              <p:cNvSpPr txBox="1"/>
+              <p:nvPr/>
+            </p:nvSpPr>
+            <p:spPr>
+              <a:xfrm>
+                <a:off x="4468906" y="94130"/>
+                <a:ext cx="3240741" cy="954107"/>
+              </a:xfrm>
+              <a:prstGeom prst="rect">
+                <a:avLst/>
+              </a:prstGeom>
+              <a:noFill/>
+            </p:spPr>
+            <p:txBody>
+              <a:bodyPr wrap="square" rtlCol="0">
+                <a:spAutoFit/>
+              </a:bodyPr>
+              <a:lstStyle/>
+              <a:p>
+                <a:pPr algn="ctr"/>
+                <a:r>
+                  <a:rPr lang="en-US" sz="2800" dirty="0" smtClean="0">
+                    <a:latin typeface="Segoe UI Light" panose="020B0502040204020203" pitchFamily="34" charset="0"/>
+                    <a:cs typeface="Segoe UI Light" panose="020B0502040204020203" pitchFamily="34" charset="0"/>
+                  </a:rPr>
+                  <a:t>Traffic Flow Management</a:t>
+                </a:r>
+                <a:endParaRPr lang="en-US" sz="2800" dirty="0">
                   <a:latin typeface="Segoe UI Light" panose="020B0502040204020203" pitchFamily="34" charset="0"/>
                   <a:cs typeface="Segoe UI Light" panose="020B0502040204020203" pitchFamily="34" charset="0"/>
-                </a:rPr>
-                <a:t>Stanford Summer Institutes</a:t>
-              </a:r>
-              <a:endParaRPr lang="en-US" sz="2800" dirty="0">
-                <a:latin typeface="Segoe UI Light" panose="020B0502040204020203" pitchFamily="34" charset="0"/>
-                <a:cs typeface="Segoe UI Light" panose="020B0502040204020203" pitchFamily="34" charset="0"/>
-              </a:endParaRPr>
-            </a:p>
-          </p:txBody>
-        </p:sp>
+                </a:endParaRPr>
+              </a:p>
+            </p:txBody>
+          </p:sp>
+        </p:grpSp>
         <p:pic>
           <p:nvPicPr>
-            <p:cNvPr id="2054" name="Picture 6" descr="http://magoosh.com/gre/files/2013/07/stanford_logo.png"/>
+            <p:cNvPr id="5" name="Picture 4"/>
             <p:cNvPicPr>
-              <a:picLocks noChangeAspect="1" noChangeArrowheads="1"/>
+              <a:picLocks noChangeAspect="1"/>
             </p:cNvPicPr>
             <p:nvPr/>
           </p:nvPicPr>
           <p:blipFill>
-            <a:blip r:embed="rId3" cstate="print">
-              <a:extLst>
-                <a:ext uri="{28A0092B-C50C-407E-A947-70E740481C1C}">
-                  <a14:useLocalDpi xmlns:a14="http://schemas.microsoft.com/office/drawing/2010/main" val="0"/>
-                </a:ext>
-              </a:extLst>
-            </a:blip>
-            <a:srcRect/>
-            <a:stretch>
-              <a:fillRect/>
-            </a:stretch>
-          </p:blipFill>
-          <p:spPr bwMode="auto">
-            <a:xfrm>
-              <a:off x="1440742" y="1048237"/>
-              <a:ext cx="1515704" cy="2255932"/>
-            </a:xfrm>
-            <a:prstGeom prst="rect">
-              <a:avLst/>
-            </a:prstGeom>
-            <a:noFill/>
-            <a:extLst>
-              <a:ext uri="{909E8E84-426E-40DD-AFC4-6F175D3DCCD1}">
-                <a14:hiddenFill xmlns:a14="http://schemas.microsoft.com/office/drawing/2010/main">
-                  <a:solidFill>
-                    <a:srgbClr val="FFFFFF"/>
-                  </a:solidFill>
-                </a14:hiddenFill>
-              </a:ext>
-            </a:extLst>
-          </p:spPr>
-        </p:pic>
-      </p:grpSp>
-      <p:grpSp>
-        <p:nvGrpSpPr>
-          <p:cNvPr id="4" name="Group 3"/>
-          <p:cNvGrpSpPr/>
-          <p:nvPr/>
-        </p:nvGrpSpPr>
-        <p:grpSpPr>
-          <a:xfrm>
-            <a:off x="8359587" y="94130"/>
-            <a:ext cx="3240742" cy="3240742"/>
-            <a:chOff x="8359587" y="94130"/>
-            <a:chExt cx="3240742" cy="3240742"/>
-          </a:xfrm>
-        </p:grpSpPr>
-        <p:sp>
-          <p:nvSpPr>
-            <p:cNvPr id="21" name="Rectangle 20"/>
-            <p:cNvSpPr/>
-            <p:nvPr/>
-          </p:nvSpPr>
-          <p:spPr>
-            <a:xfrm>
-              <a:off x="8359587" y="94130"/>
-              <a:ext cx="3240742" cy="3240742"/>
-            </a:xfrm>
-            <a:prstGeom prst="rect">
-              <a:avLst/>
-            </a:prstGeom>
-            <a:noFill/>
-            <a:ln w="28575">
-              <a:solidFill>
-                <a:srgbClr val="23B4A4"/>
-              </a:solidFill>
-            </a:ln>
-          </p:spPr>
-          <p:style>
-            <a:lnRef idx="2">
-              <a:schemeClr val="accent1">
-                <a:shade val="50000"/>
-              </a:schemeClr>
-            </a:lnRef>
-            <a:fillRef idx="1">
-              <a:schemeClr val="accent1"/>
-            </a:fillRef>
-            <a:effectRef idx="0">
-              <a:schemeClr val="accent1"/>
-            </a:effectRef>
-            <a:fontRef idx="minor">
-              <a:schemeClr val="lt1"/>
-            </a:fontRef>
-          </p:style>
-          <p:txBody>
-            <a:bodyPr rtlCol="0" anchor="ctr"/>
-            <a:lstStyle/>
-            <a:p>
-              <a:pPr algn="ctr"/>
-              <a:endParaRPr lang="en-US"/>
-            </a:p>
-          </p:txBody>
-        </p:sp>
-        <p:sp>
-          <p:nvSpPr>
-            <p:cNvPr id="14" name="TextBox 13"/>
-            <p:cNvSpPr txBox="1"/>
-            <p:nvPr/>
-          </p:nvSpPr>
-          <p:spPr>
-            <a:xfrm>
-              <a:off x="8359588" y="94130"/>
-              <a:ext cx="3240741" cy="523220"/>
-            </a:xfrm>
-            <a:prstGeom prst="rect">
-              <a:avLst/>
-            </a:prstGeom>
-            <a:noFill/>
-          </p:spPr>
-          <p:txBody>
-            <a:bodyPr wrap="square" rtlCol="0">
-              <a:spAutoFit/>
-            </a:bodyPr>
-            <a:lstStyle/>
-            <a:p>
-              <a:pPr algn="ctr"/>
-              <a:r>
-                <a:rPr lang="en-US" sz="2800" dirty="0" smtClean="0">
-                  <a:latin typeface="Segoe UI Light" panose="020B0502040204020203" pitchFamily="34" charset="0"/>
-                  <a:cs typeface="Segoe UI Light" panose="020B0502040204020203" pitchFamily="34" charset="0"/>
-                </a:rPr>
-                <a:t>Boids Technology</a:t>
-              </a:r>
-              <a:endParaRPr lang="en-US" sz="2800" dirty="0">
-                <a:latin typeface="Segoe UI Light" panose="020B0502040204020203" pitchFamily="34" charset="0"/>
-                <a:cs typeface="Segoe UI Light" panose="020B0502040204020203" pitchFamily="34" charset="0"/>
-              </a:endParaRPr>
-            </a:p>
-          </p:txBody>
-        </p:sp>
-        <p:pic>
-          <p:nvPicPr>
-            <p:cNvPr id="2056" name="Picture 8" descr="http://marcinignac.com/experiments/boids/thumb.jpg"/>
-            <p:cNvPicPr>
-              <a:picLocks noChangeAspect="1" noChangeArrowheads="1"/>
-            </p:cNvPicPr>
-            <p:nvPr/>
-          </p:nvPicPr>
-          <p:blipFill rotWithShape="1">
             <a:blip r:embed="rId4">
               <a:extLst>
                 <a:ext uri="{28A0092B-C50C-407E-A947-70E740481C1C}">
@@ -4409,33 +3803,24 @@
                 </a:ext>
               </a:extLst>
             </a:blip>
-            <a:srcRect l="14857" r="12276"/>
-            <a:stretch/>
+            <a:stretch>
+              <a:fillRect/>
+            </a:stretch>
           </p:blipFill>
-          <p:spPr bwMode="auto">
+          <p:spPr>
             <a:xfrm>
-              <a:off x="8594910" y="739845"/>
-              <a:ext cx="2781302" cy="2462609"/>
+              <a:off x="4735911" y="1080511"/>
+              <a:ext cx="2667304" cy="2111824"/>
             </a:xfrm>
             <a:prstGeom prst="rect">
               <a:avLst/>
             </a:prstGeom>
-            <a:noFill/>
-            <a:extLst>
-              <a:ext uri="{909E8E84-426E-40DD-AFC4-6F175D3DCCD1}">
-                <a14:hiddenFill xmlns:a14="http://schemas.microsoft.com/office/drawing/2010/main">
-                  <a:solidFill>
-                    <a:srgbClr val="FFFFFF"/>
-                  </a:solidFill>
-                </a14:hiddenFill>
-              </a:ext>
-            </a:extLst>
           </p:spPr>
         </p:pic>
       </p:grpSp>
       <p:pic>
         <p:nvPicPr>
-          <p:cNvPr id="5" name="Picture 4"/>
+          <p:cNvPr id="11" name="Picture 10"/>
           <p:cNvPicPr>
             <a:picLocks noChangeAspect="1"/>
           </p:cNvPicPr>
@@ -4449,71 +3834,13 @@
               </a:ext>
             </a:extLst>
           </a:blip>
-          <a:srcRect t="1068"/>
+          <a:srcRect t="1060" b="1"/>
           <a:stretch/>
         </p:blipFill>
         <p:spPr>
           <a:xfrm>
-            <a:off x="578223" y="3482788"/>
-            <a:ext cx="3267739" cy="3281083"/>
-          </a:xfrm>
-          <a:prstGeom prst="rect">
-            <a:avLst/>
-          </a:prstGeom>
-        </p:spPr>
-      </p:pic>
-      <p:pic>
-        <p:nvPicPr>
-          <p:cNvPr id="6" name="Picture 5"/>
-          <p:cNvPicPr>
-            <a:picLocks noChangeAspect="1"/>
-          </p:cNvPicPr>
-          <p:nvPr/>
-        </p:nvPicPr>
-        <p:blipFill rotWithShape="1">
-          <a:blip r:embed="rId6">
-            <a:extLst>
-              <a:ext uri="{28A0092B-C50C-407E-A947-70E740481C1C}">
-                <a14:useLocalDpi xmlns:a14="http://schemas.microsoft.com/office/drawing/2010/main" val="0"/>
-              </a:ext>
-            </a:extLst>
-          </a:blip>
-          <a:srcRect t="1431"/>
-          <a:stretch/>
-        </p:blipFill>
-        <p:spPr>
-          <a:xfrm>
-            <a:off x="4468905" y="3482787"/>
-            <a:ext cx="3273836" cy="3281083"/>
-          </a:xfrm>
-          <a:prstGeom prst="rect">
-            <a:avLst/>
-          </a:prstGeom>
-        </p:spPr>
-      </p:pic>
-      <p:pic>
-        <p:nvPicPr>
-          <p:cNvPr id="7" name="Picture 6"/>
-          <p:cNvPicPr>
-            <a:picLocks noChangeAspect="1"/>
-          </p:cNvPicPr>
-          <p:nvPr/>
-        </p:nvPicPr>
-        <p:blipFill rotWithShape="1">
-          <a:blip r:embed="rId7">
-            <a:extLst>
-              <a:ext uri="{28A0092B-C50C-407E-A947-70E740481C1C}">
-                <a14:useLocalDpi xmlns:a14="http://schemas.microsoft.com/office/drawing/2010/main" val="0"/>
-              </a:ext>
-            </a:extLst>
-          </a:blip>
-          <a:srcRect t="1431" b="-1"/>
-          <a:stretch/>
-        </p:blipFill>
-        <p:spPr>
-          <a:xfrm>
-            <a:off x="8359587" y="3482788"/>
-            <a:ext cx="3273836" cy="3281082"/>
+            <a:off x="4422478" y="3482787"/>
+            <a:ext cx="3267456" cy="3281083"/>
           </a:xfrm>
           <a:prstGeom prst="rect">
             <a:avLst/>
@@ -4523,7 +3850,7 @@
     </p:spTree>
     <p:extLst>
       <p:ext uri="{BB962C8B-B14F-4D97-AF65-F5344CB8AC3E}">
-        <p14:creationId xmlns:p14="http://schemas.microsoft.com/office/powerpoint/2010/main" val="2300560995"/>
+        <p14:creationId xmlns:p14="http://schemas.microsoft.com/office/powerpoint/2010/main" val="620853128"/>
       </p:ext>
     </p:extLst>
   </p:cSld>
@@ -4533,7 +3860,7 @@
 </p:sld>
 </file>
 
-<file path=ppt/slides/slide4.xml><?xml version="1.0" encoding="utf-8"?>
+<file path=ppt/slides/slide3.xml><?xml version="1.0" encoding="utf-8"?>
 <p:sld xmlns:a="http://schemas.openxmlformats.org/drawingml/2006/main" xmlns:r="http://schemas.openxmlformats.org/officeDocument/2006/relationships" xmlns:p="http://schemas.openxmlformats.org/presentationml/2006/main">
   <p:cSld>
     <p:spTree>
@@ -4550,1116 +3877,460 @@
           <a:chExt cx="0" cy="0"/>
         </a:xfrm>
       </p:grpSpPr>
-      <p:grpSp>
-        <p:nvGrpSpPr>
-          <p:cNvPr id="2" name="Group 1"/>
-          <p:cNvGrpSpPr/>
+      <p:sp>
+        <p:nvSpPr>
+          <p:cNvPr id="20" name="Rectangle 19"/>
+          <p:cNvSpPr/>
           <p:nvPr/>
-        </p:nvGrpSpPr>
-        <p:grpSpPr>
-          <a:xfrm>
-            <a:off x="578223" y="94130"/>
-            <a:ext cx="3240742" cy="3240742"/>
-            <a:chOff x="578223" y="80683"/>
-            <a:chExt cx="3240742" cy="3240742"/>
-          </a:xfrm>
-        </p:grpSpPr>
-        <p:sp>
-          <p:nvSpPr>
-            <p:cNvPr id="19" name="Rectangle 18"/>
-            <p:cNvSpPr/>
-            <p:nvPr/>
-          </p:nvSpPr>
-          <p:spPr>
-            <a:xfrm>
-              <a:off x="578223" y="80683"/>
-              <a:ext cx="3240742" cy="3240742"/>
-            </a:xfrm>
-            <a:prstGeom prst="rect">
-              <a:avLst/>
-            </a:prstGeom>
-            <a:noFill/>
-            <a:ln w="28575">
-              <a:solidFill>
-                <a:srgbClr val="23B4A4"/>
-              </a:solidFill>
-            </a:ln>
-          </p:spPr>
-          <p:style>
-            <a:lnRef idx="2">
-              <a:schemeClr val="accent1">
-                <a:shade val="50000"/>
-              </a:schemeClr>
-            </a:lnRef>
-            <a:fillRef idx="1">
-              <a:schemeClr val="accent1"/>
-            </a:fillRef>
-            <a:effectRef idx="0">
-              <a:schemeClr val="accent1"/>
-            </a:effectRef>
-            <a:fontRef idx="minor">
-              <a:schemeClr val="lt1"/>
-            </a:fontRef>
-          </p:style>
-          <p:txBody>
-            <a:bodyPr rtlCol="0" anchor="ctr"/>
-            <a:lstStyle/>
-            <a:p>
-              <a:pPr algn="ctr"/>
-              <a:endParaRPr lang="en-US" dirty="0"/>
-            </a:p>
-          </p:txBody>
-        </p:sp>
-        <p:sp>
-          <p:nvSpPr>
-            <p:cNvPr id="25" name="TextBox 24"/>
-            <p:cNvSpPr txBox="1"/>
-            <p:nvPr/>
-          </p:nvSpPr>
-          <p:spPr>
-            <a:xfrm>
-              <a:off x="578224" y="94130"/>
-              <a:ext cx="3240741" cy="954107"/>
-            </a:xfrm>
-            <a:prstGeom prst="rect">
-              <a:avLst/>
-            </a:prstGeom>
-            <a:noFill/>
-          </p:spPr>
-          <p:txBody>
-            <a:bodyPr wrap="square" rtlCol="0">
-              <a:spAutoFit/>
-            </a:bodyPr>
-            <a:lstStyle/>
-            <a:p>
-              <a:pPr algn="ctr"/>
-              <a:r>
-                <a:rPr lang="en-US" sz="2800" dirty="0" smtClean="0">
-                  <a:latin typeface="Segoe UI Light" panose="020B0502040204020203" pitchFamily="34" charset="0"/>
-                  <a:cs typeface="Segoe UI Light" panose="020B0502040204020203" pitchFamily="34" charset="0"/>
-                </a:rPr>
-                <a:t>AYSO Mobile Application</a:t>
-              </a:r>
-              <a:endParaRPr lang="en-US" sz="2800" dirty="0">
-                <a:latin typeface="Segoe UI Light" panose="020B0502040204020203" pitchFamily="34" charset="0"/>
-                <a:cs typeface="Segoe UI Light" panose="020B0502040204020203" pitchFamily="34" charset="0"/>
-              </a:endParaRPr>
-            </a:p>
-          </p:txBody>
-        </p:sp>
-        <p:pic>
-          <p:nvPicPr>
-            <p:cNvPr id="3074" name="Picture 2" descr="http://nasl.ezitsolutions.com/teamuploads/ftl/images/archive/ayso_5q47os3sb8o219382uzzxmv02.jpg"/>
-            <p:cNvPicPr>
-              <a:picLocks noChangeAspect="1" noChangeArrowheads="1"/>
-            </p:cNvPicPr>
-            <p:nvPr/>
-          </p:nvPicPr>
-          <p:blipFill>
-            <a:blip r:embed="rId2" cstate="print">
-              <a:extLst>
-                <a:ext uri="{28A0092B-C50C-407E-A947-70E740481C1C}">
-                  <a14:useLocalDpi xmlns:a14="http://schemas.microsoft.com/office/drawing/2010/main" val="0"/>
-                </a:ext>
-              </a:extLst>
-            </a:blip>
-            <a:srcRect/>
-            <a:stretch>
-              <a:fillRect/>
-            </a:stretch>
-          </p:blipFill>
-          <p:spPr bwMode="auto">
-            <a:xfrm>
-              <a:off x="1152486" y="1048237"/>
-              <a:ext cx="2092215" cy="2106058"/>
-            </a:xfrm>
-            <a:prstGeom prst="rect">
-              <a:avLst/>
-            </a:prstGeom>
-            <a:noFill/>
-            <a:extLst>
-              <a:ext uri="{909E8E84-426E-40DD-AFC4-6F175D3DCCD1}">
-                <a14:hiddenFill xmlns:a14="http://schemas.microsoft.com/office/drawing/2010/main">
-                  <a:solidFill>
-                    <a:srgbClr val="FFFFFF"/>
-                  </a:solidFill>
-                </a14:hiddenFill>
-              </a:ext>
-            </a:extLst>
-          </p:spPr>
-        </p:pic>
-      </p:grpSp>
-      <p:grpSp>
-        <p:nvGrpSpPr>
-          <p:cNvPr id="3" name="Group 2"/>
-          <p:cNvGrpSpPr/>
-          <p:nvPr/>
-        </p:nvGrpSpPr>
-        <p:grpSpPr>
-          <a:xfrm>
-            <a:off x="4468905" y="94130"/>
-            <a:ext cx="3240742" cy="3240742"/>
-            <a:chOff x="4468905" y="94130"/>
-            <a:chExt cx="3240742" cy="3240742"/>
-          </a:xfrm>
-        </p:grpSpPr>
-        <p:sp>
-          <p:nvSpPr>
-            <p:cNvPr id="20" name="Rectangle 19"/>
-            <p:cNvSpPr/>
-            <p:nvPr/>
-          </p:nvSpPr>
-          <p:spPr>
-            <a:xfrm>
-              <a:off x="4468905" y="94130"/>
-              <a:ext cx="3240742" cy="3240742"/>
-            </a:xfrm>
-            <a:prstGeom prst="rect">
-              <a:avLst/>
-            </a:prstGeom>
-            <a:noFill/>
-            <a:ln w="28575">
-              <a:solidFill>
-                <a:srgbClr val="23B4A4"/>
-              </a:solidFill>
-            </a:ln>
-          </p:spPr>
-          <p:style>
-            <a:lnRef idx="2">
-              <a:schemeClr val="accent1">
-                <a:shade val="50000"/>
-              </a:schemeClr>
-            </a:lnRef>
-            <a:fillRef idx="1">
-              <a:schemeClr val="accent1"/>
-            </a:fillRef>
-            <a:effectRef idx="0">
-              <a:schemeClr val="accent1"/>
-            </a:effectRef>
-            <a:fontRef idx="minor">
-              <a:schemeClr val="lt1"/>
-            </a:fontRef>
-          </p:style>
-          <p:txBody>
-            <a:bodyPr rtlCol="0" anchor="ctr"/>
-            <a:lstStyle/>
-            <a:p>
-              <a:pPr algn="ctr"/>
-              <a:endParaRPr lang="en-US"/>
-            </a:p>
-          </p:txBody>
-        </p:sp>
-        <p:sp>
-          <p:nvSpPr>
-            <p:cNvPr id="15" name="TextBox 14"/>
-            <p:cNvSpPr txBox="1"/>
-            <p:nvPr/>
-          </p:nvSpPr>
-          <p:spPr>
-            <a:xfrm>
-              <a:off x="4468906" y="94130"/>
-              <a:ext cx="3240741" cy="523220"/>
-            </a:xfrm>
-            <a:prstGeom prst="rect">
-              <a:avLst/>
-            </a:prstGeom>
-            <a:noFill/>
-          </p:spPr>
-          <p:txBody>
-            <a:bodyPr wrap="square" rtlCol="0">
-              <a:spAutoFit/>
-            </a:bodyPr>
-            <a:lstStyle/>
-            <a:p>
-              <a:pPr algn="ctr"/>
-              <a:r>
-                <a:rPr lang="en-US" sz="2800" dirty="0" smtClean="0">
-                  <a:latin typeface="Segoe UI Light" panose="020B0502040204020203" pitchFamily="34" charset="0"/>
-                  <a:cs typeface="Segoe UI Light" panose="020B0502040204020203" pitchFamily="34" charset="0"/>
-                </a:rPr>
-                <a:t>DECA</a:t>
-              </a:r>
-              <a:endParaRPr lang="en-US" sz="2800" dirty="0">
-                <a:latin typeface="Segoe UI Light" panose="020B0502040204020203" pitchFamily="34" charset="0"/>
-                <a:cs typeface="Segoe UI Light" panose="020B0502040204020203" pitchFamily="34" charset="0"/>
-              </a:endParaRPr>
-            </a:p>
-          </p:txBody>
-        </p:sp>
-        <p:pic>
-          <p:nvPicPr>
-            <p:cNvPr id="3076" name="Picture 4" descr="http://www.deca.org/wp-content/uploads/2014/08/bedecaepic.png"/>
-            <p:cNvPicPr>
-              <a:picLocks noChangeAspect="1" noChangeArrowheads="1"/>
-            </p:cNvPicPr>
-            <p:nvPr/>
-          </p:nvPicPr>
-          <p:blipFill>
-            <a:blip r:embed="rId3">
-              <a:extLst>
-                <a:ext uri="{28A0092B-C50C-407E-A947-70E740481C1C}">
-                  <a14:useLocalDpi xmlns:a14="http://schemas.microsoft.com/office/drawing/2010/main" val="0"/>
-                </a:ext>
-              </a:extLst>
-            </a:blip>
-            <a:srcRect/>
-            <a:stretch>
-              <a:fillRect/>
-            </a:stretch>
-          </p:blipFill>
-          <p:spPr bwMode="auto">
-            <a:xfrm>
-              <a:off x="4895007" y="2642512"/>
-              <a:ext cx="2395679" cy="557443"/>
-            </a:xfrm>
-            <a:prstGeom prst="rect">
-              <a:avLst/>
-            </a:prstGeom>
-            <a:noFill/>
-            <a:extLst>
-              <a:ext uri="{909E8E84-426E-40DD-AFC4-6F175D3DCCD1}">
-                <a14:hiddenFill xmlns:a14="http://schemas.microsoft.com/office/drawing/2010/main">
-                  <a:solidFill>
-                    <a:srgbClr val="FFFFFF"/>
-                  </a:solidFill>
-                </a14:hiddenFill>
-              </a:ext>
-            </a:extLst>
-          </p:spPr>
-        </p:pic>
-        <p:pic>
-          <p:nvPicPr>
-            <p:cNvPr id="3078" name="Picture 6" descr="http://www.pte.idaho.gov/images/Business_Marketing/DECA/Diamond.jpg"/>
-            <p:cNvPicPr>
-              <a:picLocks noChangeAspect="1" noChangeArrowheads="1"/>
-            </p:cNvPicPr>
-            <p:nvPr/>
-          </p:nvPicPr>
-          <p:blipFill>
-            <a:blip r:embed="rId4">
-              <a:extLst>
-                <a:ext uri="{28A0092B-C50C-407E-A947-70E740481C1C}">
-                  <a14:useLocalDpi xmlns:a14="http://schemas.microsoft.com/office/drawing/2010/main" val="0"/>
-                </a:ext>
-              </a:extLst>
-            </a:blip>
-            <a:srcRect/>
-            <a:stretch>
-              <a:fillRect/>
-            </a:stretch>
-          </p:blipFill>
-          <p:spPr bwMode="auto">
-            <a:xfrm>
-              <a:off x="5068645" y="617350"/>
-              <a:ext cx="2033363" cy="2045650"/>
-            </a:xfrm>
-            <a:prstGeom prst="rect">
-              <a:avLst/>
-            </a:prstGeom>
-            <a:noFill/>
-            <a:extLst>
-              <a:ext uri="{909E8E84-426E-40DD-AFC4-6F175D3DCCD1}">
-                <a14:hiddenFill xmlns:a14="http://schemas.microsoft.com/office/drawing/2010/main">
-                  <a:solidFill>
-                    <a:srgbClr val="FFFFFF"/>
-                  </a:solidFill>
-                </a14:hiddenFill>
-              </a:ext>
-            </a:extLst>
-          </p:spPr>
-        </p:pic>
-      </p:grpSp>
-      <p:grpSp>
-        <p:nvGrpSpPr>
-          <p:cNvPr id="4" name="Group 3"/>
-          <p:cNvGrpSpPr/>
-          <p:nvPr/>
-        </p:nvGrpSpPr>
-        <p:grpSpPr>
-          <a:xfrm>
-            <a:off x="8359587" y="94130"/>
-            <a:ext cx="3240742" cy="3240742"/>
-            <a:chOff x="8359587" y="94130"/>
-            <a:chExt cx="3240742" cy="3240742"/>
-          </a:xfrm>
-        </p:grpSpPr>
-        <p:sp>
-          <p:nvSpPr>
-            <p:cNvPr id="21" name="Rectangle 20"/>
-            <p:cNvSpPr/>
-            <p:nvPr/>
-          </p:nvSpPr>
-          <p:spPr>
-            <a:xfrm>
-              <a:off x="8359587" y="94130"/>
-              <a:ext cx="3240742" cy="3240742"/>
-            </a:xfrm>
-            <a:prstGeom prst="rect">
-              <a:avLst/>
-            </a:prstGeom>
-            <a:noFill/>
-            <a:ln w="28575">
-              <a:solidFill>
-                <a:srgbClr val="23B4A4"/>
-              </a:solidFill>
-            </a:ln>
-          </p:spPr>
-          <p:style>
-            <a:lnRef idx="2">
-              <a:schemeClr val="accent1">
-                <a:shade val="50000"/>
-              </a:schemeClr>
-            </a:lnRef>
-            <a:fillRef idx="1">
-              <a:schemeClr val="accent1"/>
-            </a:fillRef>
-            <a:effectRef idx="0">
-              <a:schemeClr val="accent1"/>
-            </a:effectRef>
-            <a:fontRef idx="minor">
-              <a:schemeClr val="lt1"/>
-            </a:fontRef>
-          </p:style>
-          <p:txBody>
-            <a:bodyPr rtlCol="0" anchor="ctr"/>
-            <a:lstStyle/>
-            <a:p>
-              <a:pPr algn="ctr"/>
-              <a:endParaRPr lang="en-US"/>
-            </a:p>
-          </p:txBody>
-        </p:sp>
-        <p:sp>
-          <p:nvSpPr>
-            <p:cNvPr id="14" name="TextBox 13"/>
-            <p:cNvSpPr txBox="1"/>
-            <p:nvPr/>
-          </p:nvSpPr>
-          <p:spPr>
-            <a:xfrm>
-              <a:off x="8359588" y="94130"/>
-              <a:ext cx="3240741" cy="954107"/>
-            </a:xfrm>
-            <a:prstGeom prst="rect">
-              <a:avLst/>
-            </a:prstGeom>
-            <a:noFill/>
-          </p:spPr>
-          <p:txBody>
-            <a:bodyPr wrap="square" rtlCol="0">
-              <a:spAutoFit/>
-            </a:bodyPr>
-            <a:lstStyle/>
-            <a:p>
-              <a:pPr algn="ctr"/>
-              <a:r>
-                <a:rPr lang="en-US" sz="2800" dirty="0" smtClean="0">
-                  <a:latin typeface="Segoe UI Light" panose="020B0502040204020203" pitchFamily="34" charset="0"/>
-                  <a:cs typeface="Segoe UI Light" panose="020B0502040204020203" pitchFamily="34" charset="0"/>
-                </a:rPr>
-                <a:t>Global Innovation Challenge</a:t>
-              </a:r>
-              <a:endParaRPr lang="en-US" sz="2800" dirty="0">
-                <a:latin typeface="Segoe UI Light" panose="020B0502040204020203" pitchFamily="34" charset="0"/>
-                <a:cs typeface="Segoe UI Light" panose="020B0502040204020203" pitchFamily="34" charset="0"/>
-              </a:endParaRPr>
-            </a:p>
-          </p:txBody>
-        </p:sp>
-        <p:pic>
-          <p:nvPicPr>
-            <p:cNvPr id="3080" name="Picture 8" descr="http://fllinnovation.firstlegoleague.org/sites/default/files/FLL-WORLD-CLASS/block-five-year-graphic.gif"/>
-            <p:cNvPicPr>
-              <a:picLocks noChangeAspect="1" noChangeArrowheads="1"/>
-            </p:cNvPicPr>
-            <p:nvPr/>
-          </p:nvPicPr>
-          <p:blipFill>
-            <a:blip r:embed="rId5">
-              <a:extLst>
-                <a:ext uri="{28A0092B-C50C-407E-A947-70E740481C1C}">
-                  <a14:useLocalDpi xmlns:a14="http://schemas.microsoft.com/office/drawing/2010/main" val="0"/>
-                </a:ext>
-              </a:extLst>
-            </a:blip>
-            <a:srcRect/>
-            <a:stretch>
-              <a:fillRect/>
-            </a:stretch>
-          </p:blipFill>
-          <p:spPr bwMode="auto">
-            <a:xfrm>
-              <a:off x="8548322" y="1107055"/>
-              <a:ext cx="2863271" cy="2047240"/>
-            </a:xfrm>
-            <a:prstGeom prst="rect">
-              <a:avLst/>
-            </a:prstGeom>
-            <a:noFill/>
-            <a:extLst>
-              <a:ext uri="{909E8E84-426E-40DD-AFC4-6F175D3DCCD1}">
-                <a14:hiddenFill xmlns:a14="http://schemas.microsoft.com/office/drawing/2010/main">
-                  <a:solidFill>
-                    <a:srgbClr val="FFFFFF"/>
-                  </a:solidFill>
-                </a14:hiddenFill>
-              </a:ext>
-            </a:extLst>
-          </p:spPr>
-        </p:pic>
-      </p:grpSp>
-      <p:pic>
-        <p:nvPicPr>
-          <p:cNvPr id="5" name="Picture 4"/>
-          <p:cNvPicPr>
-            <a:picLocks noChangeAspect="1"/>
-          </p:cNvPicPr>
-          <p:nvPr/>
-        </p:nvPicPr>
-        <p:blipFill rotWithShape="1">
-          <a:blip r:embed="rId6">
-            <a:extLst>
-              <a:ext uri="{28A0092B-C50C-407E-A947-70E740481C1C}">
-                <a14:useLocalDpi xmlns:a14="http://schemas.microsoft.com/office/drawing/2010/main" val="0"/>
-              </a:ext>
-            </a:extLst>
-          </a:blip>
-          <a:srcRect t="1068"/>
-          <a:stretch/>
-        </p:blipFill>
+        </p:nvSpPr>
         <p:spPr>
           <a:xfrm>
-            <a:off x="578223" y="3469341"/>
-            <a:ext cx="3267739" cy="3281083"/>
+            <a:off x="578223" y="3481892"/>
+            <a:ext cx="3240742" cy="3240742"/>
           </a:xfrm>
           <a:prstGeom prst="rect">
             <a:avLst/>
           </a:prstGeom>
+          <a:noFill/>
+          <a:ln w="28575">
+            <a:solidFill>
+              <a:srgbClr val="23B4A4"/>
+            </a:solidFill>
+          </a:ln>
         </p:spPr>
-      </p:pic>
-      <p:pic>
-        <p:nvPicPr>
-          <p:cNvPr id="6" name="Picture 5"/>
-          <p:cNvPicPr>
-            <a:picLocks noChangeAspect="1"/>
-          </p:cNvPicPr>
+        <p:style>
+          <a:lnRef idx="2">
+            <a:schemeClr val="accent1">
+              <a:shade val="50000"/>
+            </a:schemeClr>
+          </a:lnRef>
+          <a:fillRef idx="1">
+            <a:schemeClr val="accent1"/>
+          </a:fillRef>
+          <a:effectRef idx="0">
+            <a:schemeClr val="accent1"/>
+          </a:effectRef>
+          <a:fontRef idx="minor">
+            <a:schemeClr val="lt1"/>
+          </a:fontRef>
+        </p:style>
+        <p:txBody>
+          <a:bodyPr rtlCol="0" anchor="ctr"/>
+          <a:lstStyle/>
+          <a:p>
+            <a:pPr algn="ctr"/>
+            <a:r>
+              <a:rPr lang="en-US" dirty="0" smtClean="0">
+                <a:solidFill>
+                  <a:schemeClr val="tx1"/>
+                </a:solidFill>
+              </a:rPr>
+              <a:t>At the Berkeley Business Academy during the summer of 2014, I conducted a case study with my team of Apple’s progress in innovation. We made a case for why Apple’s continued innovation model puts it ahead of competitors and made suggestions on certain improvements. We presented our findings to members of </a:t>
+            </a:r>
+            <a:r>
+              <a:rPr lang="en-US" smtClean="0">
+                <a:solidFill>
+                  <a:schemeClr val="tx1"/>
+                </a:solidFill>
+              </a:rPr>
+              <a:t>UC Berkeley SCET</a:t>
+            </a:r>
+            <a:r>
+              <a:rPr lang="en-US" dirty="0" smtClean="0">
+                <a:solidFill>
+                  <a:schemeClr val="tx1"/>
+                </a:solidFill>
+              </a:rPr>
+              <a:t>.</a:t>
+            </a:r>
+            <a:endParaRPr lang="en-US" dirty="0">
+              <a:solidFill>
+                <a:schemeClr val="tx1"/>
+              </a:solidFill>
+            </a:endParaRPr>
+          </a:p>
+        </p:txBody>
+      </p:sp>
+      <p:sp>
+        <p:nvSpPr>
+          <p:cNvPr id="21" name="Rectangle 20"/>
+          <p:cNvSpPr/>
           <p:nvPr/>
-        </p:nvPicPr>
-        <p:blipFill rotWithShape="1">
-          <a:blip r:embed="rId7">
-            <a:extLst>
-              <a:ext uri="{28A0092B-C50C-407E-A947-70E740481C1C}">
-                <a14:useLocalDpi xmlns:a14="http://schemas.microsoft.com/office/drawing/2010/main" val="0"/>
-              </a:ext>
-            </a:extLst>
-          </a:blip>
-          <a:srcRect t="1431"/>
-          <a:stretch/>
-        </p:blipFill>
+        </p:nvSpPr>
         <p:spPr>
           <a:xfrm>
-            <a:off x="4468905" y="3469340"/>
-            <a:ext cx="3273836" cy="3281083"/>
+            <a:off x="8359587" y="80683"/>
+            <a:ext cx="3240742" cy="3240742"/>
           </a:xfrm>
           <a:prstGeom prst="rect">
             <a:avLst/>
           </a:prstGeom>
+          <a:noFill/>
+          <a:ln w="28575">
+            <a:solidFill>
+              <a:srgbClr val="23B4A4"/>
+            </a:solidFill>
+          </a:ln>
         </p:spPr>
-      </p:pic>
-      <p:pic>
-        <p:nvPicPr>
-          <p:cNvPr id="7" name="Picture 6"/>
-          <p:cNvPicPr>
-            <a:picLocks noChangeAspect="1"/>
-          </p:cNvPicPr>
+        <p:style>
+          <a:lnRef idx="2">
+            <a:schemeClr val="accent1">
+              <a:shade val="50000"/>
+            </a:schemeClr>
+          </a:lnRef>
+          <a:fillRef idx="1">
+            <a:schemeClr val="accent1"/>
+          </a:fillRef>
+          <a:effectRef idx="0">
+            <a:schemeClr val="accent1"/>
+          </a:effectRef>
+          <a:fontRef idx="minor">
+            <a:schemeClr val="lt1"/>
+          </a:fontRef>
+        </p:style>
+        <p:txBody>
+          <a:bodyPr rtlCol="0" anchor="ctr"/>
+          <a:lstStyle/>
+          <a:p>
+            <a:pPr algn="ctr"/>
+            <a:r>
+              <a:rPr lang="en-US" sz="1600" dirty="0">
+                <a:solidFill>
+                  <a:schemeClr val="tx1"/>
+                </a:solidFill>
+              </a:rPr>
+              <a:t>This device uses information from your receipt to collect details about the food items you bought, such </a:t>
+            </a:r>
+            <a:r>
+              <a:rPr lang="en-US" sz="1600" dirty="0" smtClean="0">
+                <a:solidFill>
+                  <a:schemeClr val="tx1"/>
+                </a:solidFill>
+              </a:rPr>
+              <a:t>as the </a:t>
+            </a:r>
+            <a:r>
+              <a:rPr lang="en-US" sz="1600" dirty="0">
+                <a:solidFill>
+                  <a:schemeClr val="tx1"/>
+                </a:solidFill>
+              </a:rPr>
+              <a:t>manufacturer, producer, processor, etc. It connects to federal databases and updates regularly with information about recalls and safety issues specifically related to the foods you bought. It then alerts you in case of a recall. It was granted a provisional patent and is currently patent </a:t>
+            </a:r>
+            <a:r>
+              <a:rPr lang="en-US" sz="1600" dirty="0" smtClean="0">
+                <a:solidFill>
+                  <a:schemeClr val="tx1"/>
+                </a:solidFill>
+              </a:rPr>
+              <a:t>pending. Visit our website</a:t>
+            </a:r>
+            <a:r>
+              <a:rPr lang="en-US" sz="1600" dirty="0">
+                <a:solidFill>
+                  <a:schemeClr val="tx1"/>
+                </a:solidFill>
+              </a:rPr>
+              <a:t> </a:t>
+            </a:r>
+            <a:r>
+              <a:rPr lang="en-US" sz="1600" dirty="0" smtClean="0">
+                <a:solidFill>
+                  <a:schemeClr val="tx1"/>
+                </a:solidFill>
+              </a:rPr>
+              <a:t>at </a:t>
+            </a:r>
+            <a:r>
+              <a:rPr lang="en-US" sz="1600" dirty="0" err="1" smtClean="0">
+                <a:solidFill>
+                  <a:schemeClr val="tx1"/>
+                </a:solidFill>
+              </a:rPr>
+              <a:t>www.botworks.co.nr</a:t>
+            </a:r>
+            <a:endParaRPr lang="en-US" sz="1600" dirty="0">
+              <a:solidFill>
+                <a:schemeClr val="tx1"/>
+              </a:solidFill>
+            </a:endParaRPr>
+          </a:p>
+        </p:txBody>
+      </p:sp>
+      <p:sp>
+        <p:nvSpPr>
+          <p:cNvPr id="9" name="Rectangle 8"/>
+          <p:cNvSpPr/>
           <p:nvPr/>
-        </p:nvPicPr>
-        <p:blipFill rotWithShape="1">
-          <a:blip r:embed="rId8">
-            <a:extLst>
-              <a:ext uri="{28A0092B-C50C-407E-A947-70E740481C1C}">
-                <a14:useLocalDpi xmlns:a14="http://schemas.microsoft.com/office/drawing/2010/main" val="0"/>
-              </a:ext>
-            </a:extLst>
-          </a:blip>
-          <a:srcRect t="1501"/>
-          <a:stretch/>
-        </p:blipFill>
+        </p:nvSpPr>
         <p:spPr>
           <a:xfrm>
-            <a:off x="8359587" y="3469340"/>
-            <a:ext cx="3273836" cy="3278733"/>
+            <a:off x="4468905" y="3481892"/>
+            <a:ext cx="3240742" cy="3240742"/>
           </a:xfrm>
           <a:prstGeom prst="rect">
             <a:avLst/>
           </a:prstGeom>
+          <a:noFill/>
+          <a:ln w="28575">
+            <a:solidFill>
+              <a:srgbClr val="23B4A4"/>
+            </a:solidFill>
+          </a:ln>
         </p:spPr>
-      </p:pic>
-    </p:spTree>
-    <p:extLst>
-      <p:ext uri="{BB962C8B-B14F-4D97-AF65-F5344CB8AC3E}">
-        <p14:creationId xmlns:p14="http://schemas.microsoft.com/office/powerpoint/2010/main" val="934568521"/>
-      </p:ext>
-    </p:extLst>
-  </p:cSld>
-  <p:clrMapOvr>
-    <a:masterClrMapping/>
-  </p:clrMapOvr>
-</p:sld>
-</file>
-
-<file path=ppt/slides/slide5.xml><?xml version="1.0" encoding="utf-8"?>
-<p:sld xmlns:a="http://schemas.openxmlformats.org/drawingml/2006/main" xmlns:r="http://schemas.openxmlformats.org/officeDocument/2006/relationships" xmlns:p="http://schemas.openxmlformats.org/presentationml/2006/main">
-  <p:cSld>
-    <p:spTree>
-      <p:nvGrpSpPr>
-        <p:cNvPr id="1" name=""/>
-        <p:cNvGrpSpPr/>
-        <p:nvPr/>
-      </p:nvGrpSpPr>
-      <p:grpSpPr>
-        <a:xfrm>
-          <a:off x="0" y="0"/>
-          <a:ext cx="0" cy="0"/>
-          <a:chOff x="0" y="0"/>
-          <a:chExt cx="0" cy="0"/>
-        </a:xfrm>
-      </p:grpSpPr>
-      <p:grpSp>
-        <p:nvGrpSpPr>
-          <p:cNvPr id="2" name="Group 1"/>
-          <p:cNvGrpSpPr/>
+        <p:style>
+          <a:lnRef idx="2">
+            <a:schemeClr val="accent1">
+              <a:shade val="50000"/>
+            </a:schemeClr>
+          </a:lnRef>
+          <a:fillRef idx="1">
+            <a:schemeClr val="accent1"/>
+          </a:fillRef>
+          <a:effectRef idx="0">
+            <a:schemeClr val="accent1"/>
+          </a:effectRef>
+          <a:fontRef idx="minor">
+            <a:schemeClr val="lt1"/>
+          </a:fontRef>
+        </p:style>
+        <p:txBody>
+          <a:bodyPr rtlCol="0" anchor="ctr"/>
+          <a:lstStyle/>
+          <a:p>
+            <a:pPr algn="ctr"/>
+            <a:endParaRPr lang="en-US" dirty="0">
+              <a:solidFill>
+                <a:schemeClr val="bg2">
+                  <a:lumMod val="25000"/>
+                </a:schemeClr>
+              </a:solidFill>
+            </a:endParaRPr>
+          </a:p>
+        </p:txBody>
+      </p:sp>
+      <p:sp>
+        <p:nvSpPr>
+          <p:cNvPr id="10" name="Rectangle 9"/>
+          <p:cNvSpPr/>
           <p:nvPr/>
-        </p:nvGrpSpPr>
-        <p:grpSpPr>
-          <a:xfrm>
-            <a:off x="578223" y="94130"/>
-            <a:ext cx="3240742" cy="3240742"/>
-            <a:chOff x="578223" y="80683"/>
-            <a:chExt cx="3240742" cy="3240742"/>
-          </a:xfrm>
-        </p:grpSpPr>
-        <p:sp>
-          <p:nvSpPr>
-            <p:cNvPr id="19" name="Rectangle 18"/>
-            <p:cNvSpPr/>
-            <p:nvPr/>
-          </p:nvSpPr>
-          <p:spPr>
-            <a:xfrm>
-              <a:off x="578223" y="80683"/>
-              <a:ext cx="3240742" cy="3240742"/>
-            </a:xfrm>
-            <a:prstGeom prst="rect">
-              <a:avLst/>
-            </a:prstGeom>
-            <a:noFill/>
-            <a:ln w="28575">
-              <a:solidFill>
-                <a:srgbClr val="23B4A4"/>
-              </a:solidFill>
-            </a:ln>
-          </p:spPr>
-          <p:style>
-            <a:lnRef idx="2">
-              <a:schemeClr val="accent1">
-                <a:shade val="50000"/>
-              </a:schemeClr>
-            </a:lnRef>
-            <a:fillRef idx="1">
-              <a:schemeClr val="accent1"/>
-            </a:fillRef>
-            <a:effectRef idx="0">
-              <a:schemeClr val="accent1"/>
-            </a:effectRef>
-            <a:fontRef idx="minor">
-              <a:schemeClr val="lt1"/>
-            </a:fontRef>
-          </p:style>
-          <p:txBody>
-            <a:bodyPr rtlCol="0" anchor="ctr"/>
-            <a:lstStyle/>
-            <a:p>
-              <a:pPr algn="ctr"/>
-              <a:endParaRPr lang="en-US" dirty="0"/>
-            </a:p>
-          </p:txBody>
-        </p:sp>
-        <p:sp>
-          <p:nvSpPr>
-            <p:cNvPr id="25" name="TextBox 24"/>
-            <p:cNvSpPr txBox="1"/>
-            <p:nvPr/>
-          </p:nvSpPr>
-          <p:spPr>
-            <a:xfrm>
-              <a:off x="578224" y="94130"/>
-              <a:ext cx="3240741" cy="523220"/>
-            </a:xfrm>
-            <a:prstGeom prst="rect">
-              <a:avLst/>
-            </a:prstGeom>
-            <a:noFill/>
-          </p:spPr>
-          <p:txBody>
-            <a:bodyPr wrap="square" rtlCol="0">
-              <a:spAutoFit/>
-            </a:bodyPr>
-            <a:lstStyle/>
-            <a:p>
-              <a:pPr algn="ctr"/>
-              <a:r>
-                <a:rPr lang="en-US" sz="2800" dirty="0" smtClean="0">
-                  <a:latin typeface="Segoe UI Light" panose="020B0502040204020203" pitchFamily="34" charset="0"/>
-                  <a:cs typeface="Segoe UI Light" panose="020B0502040204020203" pitchFamily="34" charset="0"/>
-                </a:rPr>
-                <a:t>Conrad Awards</a:t>
-              </a:r>
-              <a:endParaRPr lang="en-US" sz="2800" dirty="0">
-                <a:latin typeface="Segoe UI Light" panose="020B0502040204020203" pitchFamily="34" charset="0"/>
-                <a:cs typeface="Segoe UI Light" panose="020B0502040204020203" pitchFamily="34" charset="0"/>
-              </a:endParaRPr>
-            </a:p>
-          </p:txBody>
-        </p:sp>
-        <p:pic>
-          <p:nvPicPr>
-            <p:cNvPr id="4098" name="Picture 2" descr="http://static1.squarespace.com/static/53cd080fe4b006756b7288ea/t/546e11dbe4b0ffbdeaa8e15b/1441831162221/?format=1500w"/>
-            <p:cNvPicPr>
-              <a:picLocks noChangeAspect="1" noChangeArrowheads="1"/>
-            </p:cNvPicPr>
-            <p:nvPr/>
-          </p:nvPicPr>
-          <p:blipFill rotWithShape="1">
-            <a:blip r:embed="rId2">
-              <a:extLst>
-                <a:ext uri="{28A0092B-C50C-407E-A947-70E740481C1C}">
-                  <a14:useLocalDpi xmlns:a14="http://schemas.microsoft.com/office/drawing/2010/main" val="0"/>
-                </a:ext>
-              </a:extLst>
-            </a:blip>
-            <a:srcRect l="6641" t="17257" r="6422" b="20874"/>
-            <a:stretch/>
-          </p:blipFill>
-          <p:spPr bwMode="auto">
-            <a:xfrm>
-              <a:off x="645458" y="1048237"/>
-              <a:ext cx="3106272" cy="1482539"/>
-            </a:xfrm>
-            <a:prstGeom prst="rect">
-              <a:avLst/>
-            </a:prstGeom>
-            <a:noFill/>
-            <a:extLst>
-              <a:ext uri="{909E8E84-426E-40DD-AFC4-6F175D3DCCD1}">
-                <a14:hiddenFill xmlns:a14="http://schemas.microsoft.com/office/drawing/2010/main">
-                  <a:solidFill>
-                    <a:srgbClr val="FFFFFF"/>
-                  </a:solidFill>
-                </a14:hiddenFill>
-              </a:ext>
-            </a:extLst>
-          </p:spPr>
-        </p:pic>
-      </p:grpSp>
-      <p:grpSp>
-        <p:nvGrpSpPr>
-          <p:cNvPr id="3" name="Group 2"/>
-          <p:cNvGrpSpPr/>
-          <p:nvPr/>
-        </p:nvGrpSpPr>
-        <p:grpSpPr>
-          <a:xfrm>
-            <a:off x="4468905" y="107577"/>
-            <a:ext cx="3240742" cy="3240742"/>
-            <a:chOff x="4468905" y="80683"/>
-            <a:chExt cx="3240742" cy="3240742"/>
-          </a:xfrm>
-        </p:grpSpPr>
-        <p:sp>
-          <p:nvSpPr>
-            <p:cNvPr id="20" name="Rectangle 19"/>
-            <p:cNvSpPr/>
-            <p:nvPr/>
-          </p:nvSpPr>
-          <p:spPr>
-            <a:xfrm>
-              <a:off x="4468905" y="80683"/>
-              <a:ext cx="3240742" cy="3240742"/>
-            </a:xfrm>
-            <a:prstGeom prst="rect">
-              <a:avLst/>
-            </a:prstGeom>
-            <a:noFill/>
-            <a:ln w="28575">
-              <a:solidFill>
-                <a:srgbClr val="23B4A4"/>
-              </a:solidFill>
-            </a:ln>
-          </p:spPr>
-          <p:style>
-            <a:lnRef idx="2">
-              <a:schemeClr val="accent1">
-                <a:shade val="50000"/>
-              </a:schemeClr>
-            </a:lnRef>
-            <a:fillRef idx="1">
-              <a:schemeClr val="accent1"/>
-            </a:fillRef>
-            <a:effectRef idx="0">
-              <a:schemeClr val="accent1"/>
-            </a:effectRef>
-            <a:fontRef idx="minor">
-              <a:schemeClr val="lt1"/>
-            </a:fontRef>
-          </p:style>
-          <p:txBody>
-            <a:bodyPr rtlCol="0" anchor="ctr"/>
-            <a:lstStyle/>
-            <a:p>
-              <a:pPr algn="ctr"/>
-              <a:endParaRPr lang="en-US"/>
-            </a:p>
-          </p:txBody>
-        </p:sp>
-        <p:sp>
-          <p:nvSpPr>
-            <p:cNvPr id="15" name="TextBox 14"/>
-            <p:cNvSpPr txBox="1"/>
-            <p:nvPr/>
-          </p:nvSpPr>
-          <p:spPr>
-            <a:xfrm>
-              <a:off x="4468906" y="94130"/>
-              <a:ext cx="3240741" cy="954107"/>
-            </a:xfrm>
-            <a:prstGeom prst="rect">
-              <a:avLst/>
-            </a:prstGeom>
-            <a:noFill/>
-          </p:spPr>
-          <p:txBody>
-            <a:bodyPr wrap="square" rtlCol="0">
-              <a:spAutoFit/>
-            </a:bodyPr>
-            <a:lstStyle/>
-            <a:p>
-              <a:pPr algn="ctr"/>
-              <a:r>
-                <a:rPr lang="en-US" sz="2800" dirty="0" smtClean="0">
-                  <a:latin typeface="Segoe UI Light" panose="020B0502040204020203" pitchFamily="34" charset="0"/>
-                  <a:cs typeface="Segoe UI Light" panose="020B0502040204020203" pitchFamily="34" charset="0"/>
-                </a:rPr>
-                <a:t>Synopsys Science and Engineering Fair</a:t>
-              </a:r>
-              <a:endParaRPr lang="en-US" sz="2800" dirty="0">
-                <a:latin typeface="Segoe UI Light" panose="020B0502040204020203" pitchFamily="34" charset="0"/>
-                <a:cs typeface="Segoe UI Light" panose="020B0502040204020203" pitchFamily="34" charset="0"/>
-              </a:endParaRPr>
-            </a:p>
-          </p:txBody>
-        </p:sp>
-        <p:pic>
-          <p:nvPicPr>
-            <p:cNvPr id="4100" name="Picture 4" descr="https://lh5.googleusercontent.com/mIEg4XGZAHskPG_iMJDdzm3lsNGVlBHP21vUBWj_PgXGuHrl9Jlef5qV3LQPxIhYRLzjqOl11PkHfJdEi541BvKb--Wpb1lS6kbby3MyOeW-RN_QQJA_Cdc4sIskfHCsXND7IC0"/>
-            <p:cNvPicPr>
-              <a:picLocks noChangeAspect="1" noChangeArrowheads="1"/>
-            </p:cNvPicPr>
-            <p:nvPr/>
-          </p:nvPicPr>
-          <p:blipFill>
-            <a:blip r:embed="rId3">
-              <a:extLst>
-                <a:ext uri="{28A0092B-C50C-407E-A947-70E740481C1C}">
-                  <a14:useLocalDpi xmlns:a14="http://schemas.microsoft.com/office/drawing/2010/main" val="0"/>
-                </a:ext>
-              </a:extLst>
-            </a:blip>
-            <a:srcRect/>
-            <a:stretch>
-              <a:fillRect/>
-            </a:stretch>
-          </p:blipFill>
-          <p:spPr bwMode="auto">
-            <a:xfrm>
-              <a:off x="5105680" y="1121912"/>
-              <a:ext cx="1967192" cy="2125837"/>
-            </a:xfrm>
-            <a:prstGeom prst="rect">
-              <a:avLst/>
-            </a:prstGeom>
-            <a:noFill/>
-            <a:extLst>
-              <a:ext uri="{909E8E84-426E-40DD-AFC4-6F175D3DCCD1}">
-                <a14:hiddenFill xmlns:a14="http://schemas.microsoft.com/office/drawing/2010/main">
-                  <a:solidFill>
-                    <a:srgbClr val="FFFFFF"/>
-                  </a:solidFill>
-                </a14:hiddenFill>
-              </a:ext>
-            </a:extLst>
-          </p:spPr>
-        </p:pic>
-      </p:grpSp>
-      <p:grpSp>
-        <p:nvGrpSpPr>
-          <p:cNvPr id="4" name="Group 3"/>
-          <p:cNvGrpSpPr/>
-          <p:nvPr/>
-        </p:nvGrpSpPr>
-        <p:grpSpPr>
-          <a:xfrm>
-            <a:off x="8359587" y="94130"/>
-            <a:ext cx="3240742" cy="3240742"/>
-            <a:chOff x="8359587" y="94130"/>
-            <a:chExt cx="3240742" cy="3240742"/>
-          </a:xfrm>
-        </p:grpSpPr>
-        <p:sp>
-          <p:nvSpPr>
-            <p:cNvPr id="21" name="Rectangle 20"/>
-            <p:cNvSpPr/>
-            <p:nvPr/>
-          </p:nvSpPr>
-          <p:spPr>
-            <a:xfrm>
-              <a:off x="8359587" y="94130"/>
-              <a:ext cx="3240742" cy="3240742"/>
-            </a:xfrm>
-            <a:prstGeom prst="rect">
-              <a:avLst/>
-            </a:prstGeom>
-            <a:noFill/>
-            <a:ln w="28575">
-              <a:solidFill>
-                <a:srgbClr val="23B4A4"/>
-              </a:solidFill>
-            </a:ln>
-          </p:spPr>
-          <p:style>
-            <a:lnRef idx="2">
-              <a:schemeClr val="accent1">
-                <a:shade val="50000"/>
-              </a:schemeClr>
-            </a:lnRef>
-            <a:fillRef idx="1">
-              <a:schemeClr val="accent1"/>
-            </a:fillRef>
-            <a:effectRef idx="0">
-              <a:schemeClr val="accent1"/>
-            </a:effectRef>
-            <a:fontRef idx="minor">
-              <a:schemeClr val="lt1"/>
-            </a:fontRef>
-          </p:style>
-          <p:txBody>
-            <a:bodyPr rtlCol="0" anchor="ctr"/>
-            <a:lstStyle/>
-            <a:p>
-              <a:pPr algn="ctr"/>
-              <a:endParaRPr lang="en-US"/>
-            </a:p>
-          </p:txBody>
-        </p:sp>
-        <p:sp>
-          <p:nvSpPr>
-            <p:cNvPr id="14" name="TextBox 13"/>
-            <p:cNvSpPr txBox="1"/>
-            <p:nvPr/>
-          </p:nvSpPr>
-          <p:spPr>
-            <a:xfrm>
-              <a:off x="8359588" y="94130"/>
-              <a:ext cx="3240741" cy="523220"/>
-            </a:xfrm>
-            <a:prstGeom prst="rect">
-              <a:avLst/>
-            </a:prstGeom>
-            <a:noFill/>
-          </p:spPr>
-          <p:txBody>
-            <a:bodyPr wrap="square" rtlCol="0">
-              <a:spAutoFit/>
-            </a:bodyPr>
-            <a:lstStyle/>
-            <a:p>
-              <a:pPr algn="ctr"/>
-              <a:r>
-                <a:rPr lang="en-US" sz="2800" dirty="0" smtClean="0">
-                  <a:latin typeface="Segoe UI Light" panose="020B0502040204020203" pitchFamily="34" charset="0"/>
-                  <a:cs typeface="Segoe UI Light" panose="020B0502040204020203" pitchFamily="34" charset="0"/>
-                </a:rPr>
-                <a:t>AP Scholar</a:t>
-              </a:r>
-              <a:endParaRPr lang="en-US" sz="2800" dirty="0">
-                <a:latin typeface="Segoe UI Light" panose="020B0502040204020203" pitchFamily="34" charset="0"/>
-                <a:cs typeface="Segoe UI Light" panose="020B0502040204020203" pitchFamily="34" charset="0"/>
-              </a:endParaRPr>
-            </a:p>
-          </p:txBody>
-        </p:sp>
-        <p:pic>
-          <p:nvPicPr>
-            <p:cNvPr id="4102" name="Picture 6" descr="http://www.uaschools.org/uploaded/UAHS_Site_Files/IPAB/logos/College-Board-Logo-300x182.png"/>
-            <p:cNvPicPr>
-              <a:picLocks noChangeAspect="1" noChangeArrowheads="1"/>
-            </p:cNvPicPr>
-            <p:nvPr/>
-          </p:nvPicPr>
-          <p:blipFill>
-            <a:blip r:embed="rId4">
-              <a:extLst>
-                <a:ext uri="{28A0092B-C50C-407E-A947-70E740481C1C}">
-                  <a14:useLocalDpi xmlns:a14="http://schemas.microsoft.com/office/drawing/2010/main" val="0"/>
-                </a:ext>
-              </a:extLst>
-            </a:blip>
-            <a:srcRect/>
-            <a:stretch>
-              <a:fillRect/>
-            </a:stretch>
-          </p:blipFill>
-          <p:spPr bwMode="auto">
-            <a:xfrm>
-              <a:off x="8551208" y="1048237"/>
-              <a:ext cx="2857500" cy="1733551"/>
-            </a:xfrm>
-            <a:prstGeom prst="rect">
-              <a:avLst/>
-            </a:prstGeom>
-            <a:noFill/>
-            <a:extLst>
-              <a:ext uri="{909E8E84-426E-40DD-AFC4-6F175D3DCCD1}">
-                <a14:hiddenFill xmlns:a14="http://schemas.microsoft.com/office/drawing/2010/main">
-                  <a:solidFill>
-                    <a:srgbClr val="FFFFFF"/>
-                  </a:solidFill>
-                </a14:hiddenFill>
-              </a:ext>
-            </a:extLst>
-          </p:spPr>
-        </p:pic>
-      </p:grpSp>
-      <p:pic>
-        <p:nvPicPr>
-          <p:cNvPr id="5" name="Picture 4"/>
-          <p:cNvPicPr>
-            <a:picLocks noChangeAspect="1"/>
-          </p:cNvPicPr>
-          <p:nvPr/>
-        </p:nvPicPr>
-        <p:blipFill rotWithShape="1">
-          <a:blip r:embed="rId5">
-            <a:extLst>
-              <a:ext uri="{28A0092B-C50C-407E-A947-70E740481C1C}">
-                <a14:useLocalDpi xmlns:a14="http://schemas.microsoft.com/office/drawing/2010/main" val="0"/>
-              </a:ext>
-            </a:extLst>
-          </a:blip>
-          <a:srcRect t="1068"/>
-          <a:stretch/>
-        </p:blipFill>
+        </p:nvSpPr>
         <p:spPr>
           <a:xfrm>
-            <a:off x="578223" y="3482788"/>
-            <a:ext cx="3267739" cy="3281083"/>
+            <a:off x="8359587" y="3481892"/>
+            <a:ext cx="3240742" cy="3240742"/>
           </a:xfrm>
           <a:prstGeom prst="rect">
             <a:avLst/>
           </a:prstGeom>
+          <a:noFill/>
+          <a:ln w="28575">
+            <a:solidFill>
+              <a:srgbClr val="23B4A4"/>
+            </a:solidFill>
+          </a:ln>
         </p:spPr>
-      </p:pic>
-      <p:pic>
-        <p:nvPicPr>
-          <p:cNvPr id="6" name="Picture 5"/>
-          <p:cNvPicPr>
-            <a:picLocks noChangeAspect="1"/>
-          </p:cNvPicPr>
+        <p:style>
+          <a:lnRef idx="2">
+            <a:schemeClr val="accent1">
+              <a:shade val="50000"/>
+            </a:schemeClr>
+          </a:lnRef>
+          <a:fillRef idx="1">
+            <a:schemeClr val="accent1"/>
+          </a:fillRef>
+          <a:effectRef idx="0">
+            <a:schemeClr val="accent1"/>
+          </a:effectRef>
+          <a:fontRef idx="minor">
+            <a:schemeClr val="lt1"/>
+          </a:fontRef>
+        </p:style>
+        <p:txBody>
+          <a:bodyPr rtlCol="0" anchor="ctr"/>
+          <a:lstStyle/>
+          <a:p>
+            <a:pPr algn="ctr"/>
+            <a:endParaRPr lang="en-US"/>
+          </a:p>
+        </p:txBody>
+      </p:sp>
+      <p:sp>
+        <p:nvSpPr>
+          <p:cNvPr id="11" name="Rectangle 10"/>
+          <p:cNvSpPr/>
           <p:nvPr/>
-        </p:nvPicPr>
-        <p:blipFill rotWithShape="1">
-          <a:blip r:embed="rId6">
-            <a:extLst>
-              <a:ext uri="{28A0092B-C50C-407E-A947-70E740481C1C}">
-                <a14:useLocalDpi xmlns:a14="http://schemas.microsoft.com/office/drawing/2010/main" val="0"/>
-              </a:ext>
-            </a:extLst>
-          </a:blip>
-          <a:srcRect l="2855" t="1068" r="2726"/>
-          <a:stretch/>
-        </p:blipFill>
+        </p:nvSpPr>
         <p:spPr>
           <a:xfrm>
-            <a:off x="4450976" y="3482788"/>
-            <a:ext cx="3281083" cy="3281083"/>
+            <a:off x="578223" y="80683"/>
+            <a:ext cx="3240742" cy="3240742"/>
           </a:xfrm>
           <a:prstGeom prst="rect">
             <a:avLst/>
           </a:prstGeom>
+          <a:noFill/>
+          <a:ln w="28575">
+            <a:solidFill>
+              <a:srgbClr val="23B4A4"/>
+            </a:solidFill>
+          </a:ln>
         </p:spPr>
-      </p:pic>
-      <p:pic>
-        <p:nvPicPr>
-          <p:cNvPr id="7" name="Picture 6"/>
-          <p:cNvPicPr>
-            <a:picLocks noChangeAspect="1"/>
-          </p:cNvPicPr>
-          <p:nvPr/>
-        </p:nvPicPr>
-        <p:blipFill rotWithShape="1">
-          <a:blip r:embed="rId7">
-            <a:extLst>
-              <a:ext uri="{28A0092B-C50C-407E-A947-70E740481C1C}">
-                <a14:useLocalDpi xmlns:a14="http://schemas.microsoft.com/office/drawing/2010/main" val="0"/>
-              </a:ext>
-            </a:extLst>
-          </a:blip>
-          <a:srcRect t="1431"/>
-          <a:stretch/>
-        </p:blipFill>
-        <p:spPr>
-          <a:xfrm>
-            <a:off x="8359587" y="3482787"/>
-            <a:ext cx="3273836" cy="3281083"/>
-          </a:xfrm>
-          <a:prstGeom prst="rect">
-            <a:avLst/>
-          </a:prstGeom>
-        </p:spPr>
-      </p:pic>
-    </p:spTree>
-    <p:extLst>
-      <p:ext uri="{BB962C8B-B14F-4D97-AF65-F5344CB8AC3E}">
-        <p14:creationId xmlns:p14="http://schemas.microsoft.com/office/powerpoint/2010/main" val="1546360287"/>
-      </p:ext>
-    </p:extLst>
-  </p:cSld>
-  <p:clrMapOvr>
-    <a:masterClrMapping/>
-  </p:clrMapOvr>
-</p:sld>
-</file>
-
-<file path=ppt/slides/slide6.xml><?xml version="1.0" encoding="utf-8"?>
-<p:sld xmlns:a="http://schemas.openxmlformats.org/drawingml/2006/main" xmlns:r="http://schemas.openxmlformats.org/officeDocument/2006/relationships" xmlns:p="http://schemas.openxmlformats.org/presentationml/2006/main">
-  <p:cSld>
-    <p:spTree>
-      <p:nvGrpSpPr>
-        <p:cNvPr id="1" name=""/>
-        <p:cNvGrpSpPr/>
-        <p:nvPr/>
-      </p:nvGrpSpPr>
-      <p:grpSpPr>
-        <a:xfrm>
-          <a:off x="0" y="0"/>
-          <a:ext cx="0" cy="0"/>
-          <a:chOff x="0" y="0"/>
-          <a:chExt cx="0" cy="0"/>
-        </a:xfrm>
-      </p:grpSpPr>
-      <p:sp>
-        <p:nvSpPr>
-          <p:cNvPr id="20" name="Rectangle 19"/>
+        <p:style>
+          <a:lnRef idx="2">
+            <a:schemeClr val="accent1">
+              <a:shade val="50000"/>
+            </a:schemeClr>
+          </a:lnRef>
+          <a:fillRef idx="1">
+            <a:schemeClr val="accent1"/>
+          </a:fillRef>
+          <a:effectRef idx="0">
+            <a:schemeClr val="accent1"/>
+          </a:effectRef>
+          <a:fontRef idx="minor">
+            <a:schemeClr val="lt1"/>
+          </a:fontRef>
+        </p:style>
+        <p:txBody>
+          <a:bodyPr rtlCol="0" anchor="ctr"/>
+          <a:lstStyle/>
+          <a:p>
+            <a:pPr algn="ctr"/>
+            <a:r>
+              <a:rPr lang="en-US" sz="1600" dirty="0" smtClean="0">
+                <a:solidFill>
+                  <a:schemeClr val="tx1"/>
+                </a:solidFill>
+              </a:rPr>
+              <a:t>I built </a:t>
+            </a:r>
+            <a:r>
+              <a:rPr lang="en-US" sz="1600" dirty="0">
+                <a:solidFill>
+                  <a:schemeClr val="tx1"/>
+                </a:solidFill>
+              </a:rPr>
+              <a:t>a model that was trained with local </a:t>
+            </a:r>
+            <a:r>
+              <a:rPr lang="en-US" sz="1600" dirty="0" smtClean="0">
+                <a:solidFill>
+                  <a:schemeClr val="tx1"/>
+                </a:solidFill>
+              </a:rPr>
+              <a:t>traffic </a:t>
+            </a:r>
+            <a:r>
+              <a:rPr lang="en-US" sz="1600" dirty="0">
+                <a:solidFill>
+                  <a:schemeClr val="tx1"/>
+                </a:solidFill>
+              </a:rPr>
+              <a:t>metrics, clustered drivers with similar destinations and </a:t>
+            </a:r>
+            <a:r>
+              <a:rPr lang="en-US" sz="1600" dirty="0" smtClean="0">
+                <a:solidFill>
+                  <a:schemeClr val="tx1"/>
+                </a:solidFill>
+              </a:rPr>
+              <a:t>driving styles </a:t>
+            </a:r>
+            <a:r>
+              <a:rPr lang="en-US" sz="1600" dirty="0">
+                <a:solidFill>
+                  <a:schemeClr val="tx1"/>
+                </a:solidFill>
+              </a:rPr>
+              <a:t>together </a:t>
+            </a:r>
+            <a:r>
+              <a:rPr lang="en-US" sz="1600" dirty="0" smtClean="0">
+                <a:solidFill>
+                  <a:schemeClr val="tx1"/>
+                </a:solidFill>
+              </a:rPr>
+              <a:t>using a k-means algorithm</a:t>
+            </a:r>
+            <a:r>
+              <a:rPr lang="en-US" sz="1600" dirty="0">
+                <a:solidFill>
+                  <a:schemeClr val="tx1"/>
+                </a:solidFill>
+              </a:rPr>
+              <a:t>, and redirected </a:t>
+            </a:r>
+            <a:r>
+              <a:rPr lang="en-US" sz="1600" dirty="0" smtClean="0">
+                <a:solidFill>
+                  <a:schemeClr val="tx1"/>
+                </a:solidFill>
+              </a:rPr>
+              <a:t>each cluster </a:t>
+            </a:r>
+            <a:r>
+              <a:rPr lang="en-US" sz="1600" dirty="0">
+                <a:solidFill>
+                  <a:schemeClr val="tx1"/>
+                </a:solidFill>
+              </a:rPr>
+              <a:t>along a unique </a:t>
+            </a:r>
+            <a:r>
+              <a:rPr lang="en-US" sz="1600" dirty="0" smtClean="0">
+                <a:solidFill>
+                  <a:schemeClr val="tx1"/>
+                </a:solidFill>
+              </a:rPr>
+              <a:t>route away from the popular but congested main routes for more efficient </a:t>
+            </a:r>
+            <a:r>
+              <a:rPr lang="en-US" sz="1600" dirty="0">
+                <a:solidFill>
+                  <a:schemeClr val="tx1"/>
+                </a:solidFill>
+              </a:rPr>
+              <a:t>vehicle </a:t>
+            </a:r>
+            <a:r>
+              <a:rPr lang="en-US" sz="1600" dirty="0" smtClean="0">
+                <a:solidFill>
+                  <a:schemeClr val="tx1"/>
+                </a:solidFill>
+              </a:rPr>
+              <a:t>traffic management. This project won the IBM </a:t>
+            </a:r>
+            <a:r>
+              <a:rPr lang="en-US" sz="1600" dirty="0">
+                <a:solidFill>
+                  <a:schemeClr val="tx1"/>
+                </a:solidFill>
+              </a:rPr>
+              <a:t>Award for Computing at </a:t>
+            </a:r>
+            <a:r>
+              <a:rPr lang="en-US" sz="1600" dirty="0" smtClean="0">
+                <a:solidFill>
+                  <a:schemeClr val="tx1"/>
+                </a:solidFill>
+              </a:rPr>
+              <a:t>the 2016 </a:t>
+            </a:r>
+            <a:r>
+              <a:rPr lang="en-US" sz="1600" dirty="0">
+                <a:solidFill>
+                  <a:schemeClr val="tx1"/>
+                </a:solidFill>
+              </a:rPr>
+              <a:t>Santa Clara Valley Science and Engineering Fair </a:t>
+            </a:r>
+          </a:p>
+        </p:txBody>
+      </p:sp>
+      <p:sp>
+        <p:nvSpPr>
+          <p:cNvPr id="12" name="Rectangle 11"/>
           <p:cNvSpPr/>
           <p:nvPr/>
         </p:nvSpPr>
@@ -5700,239 +4371,221 @@
           <a:p>
             <a:pPr algn="ctr"/>
             <a:r>
-              <a:rPr lang="en-US" dirty="0" smtClean="0">
-                <a:solidFill>
-                  <a:schemeClr val="bg2">
-                    <a:lumMod val="25000"/>
-                  </a:schemeClr>
-                </a:solidFill>
-              </a:rPr>
-              <a:t>This is a paragraph in 18 point Calibri font. Say hello to the world for me. My program canst say it faster than your program canst. Why am I talking like Shakespeare now? Nobody knows.</a:t>
-            </a:r>
-            <a:endParaRPr lang="en-US" dirty="0">
+              <a:rPr lang="en-US" sz="1600" dirty="0" smtClean="0">
+                <a:solidFill>
+                  <a:schemeClr val="tx1"/>
+                </a:solidFill>
+              </a:rPr>
+              <a:t>I modified </a:t>
+            </a:r>
+            <a:r>
+              <a:rPr lang="en-US" sz="1600" dirty="0">
+                <a:solidFill>
+                  <a:schemeClr val="tx1"/>
+                </a:solidFill>
+              </a:rPr>
+              <a:t>a toy gun to </a:t>
+            </a:r>
+            <a:r>
+              <a:rPr lang="en-US" sz="1600" dirty="0" smtClean="0">
+                <a:solidFill>
+                  <a:schemeClr val="tx1"/>
+                </a:solidFill>
+              </a:rPr>
+              <a:t>model my idea for a </a:t>
+            </a:r>
+            <a:r>
+              <a:rPr lang="en-US" sz="1600" dirty="0">
+                <a:solidFill>
+                  <a:schemeClr val="tx1"/>
+                </a:solidFill>
+              </a:rPr>
+              <a:t>smart gun which </a:t>
+            </a:r>
+            <a:r>
+              <a:rPr lang="en-US" sz="1600" dirty="0" smtClean="0">
+                <a:solidFill>
+                  <a:schemeClr val="tx1"/>
+                </a:solidFill>
+              </a:rPr>
+              <a:t>is automatically </a:t>
+            </a:r>
+            <a:r>
+              <a:rPr lang="en-US" sz="1600" dirty="0">
+                <a:solidFill>
+                  <a:schemeClr val="tx1"/>
+                </a:solidFill>
+              </a:rPr>
+              <a:t>disabled </a:t>
+            </a:r>
+            <a:r>
+              <a:rPr lang="en-US" sz="1600" dirty="0" smtClean="0">
+                <a:solidFill>
+                  <a:schemeClr val="tx1"/>
+                </a:solidFill>
+              </a:rPr>
+              <a:t>when it is near </a:t>
+            </a:r>
+            <a:r>
+              <a:rPr lang="en-US" sz="1600" dirty="0">
+                <a:solidFill>
+                  <a:schemeClr val="tx1"/>
+                </a:solidFill>
+              </a:rPr>
+              <a:t>a </a:t>
+            </a:r>
+            <a:r>
+              <a:rPr lang="en-US" sz="1600" dirty="0" smtClean="0">
+                <a:solidFill>
+                  <a:schemeClr val="tx1"/>
+                </a:solidFill>
+              </a:rPr>
+              <a:t>school. I used the Arduino Uno </a:t>
+            </a:r>
+            <a:r>
+              <a:rPr lang="en-US" sz="1600" dirty="0">
+                <a:solidFill>
+                  <a:schemeClr val="tx1"/>
+                </a:solidFill>
+              </a:rPr>
+              <a:t>and Spark Core </a:t>
+            </a:r>
+            <a:r>
+              <a:rPr lang="en-US" sz="1600" dirty="0" err="1" smtClean="0">
+                <a:solidFill>
+                  <a:schemeClr val="tx1"/>
+                </a:solidFill>
+              </a:rPr>
+              <a:t>WiFi</a:t>
+            </a:r>
+            <a:r>
+              <a:rPr lang="en-US" sz="1600" dirty="0" smtClean="0">
+                <a:solidFill>
+                  <a:schemeClr val="tx1"/>
+                </a:solidFill>
+              </a:rPr>
+              <a:t> module </a:t>
+            </a:r>
+            <a:r>
+              <a:rPr lang="en-US" sz="1600" dirty="0">
+                <a:solidFill>
+                  <a:schemeClr val="tx1"/>
+                </a:solidFill>
+              </a:rPr>
+              <a:t>to control a lock </a:t>
+            </a:r>
+            <a:r>
+              <a:rPr lang="en-US" sz="1600" dirty="0" smtClean="0">
+                <a:solidFill>
+                  <a:schemeClr val="tx1"/>
+                </a:solidFill>
+              </a:rPr>
+              <a:t>on a </a:t>
+            </a:r>
+            <a:r>
+              <a:rPr lang="en-US" sz="1600" dirty="0">
+                <a:solidFill>
+                  <a:schemeClr val="tx1"/>
+                </a:solidFill>
+              </a:rPr>
+              <a:t>personal </a:t>
+            </a:r>
+            <a:r>
+              <a:rPr lang="en-US" sz="1600" dirty="0" smtClean="0">
+                <a:solidFill>
+                  <a:schemeClr val="tx1"/>
+                </a:solidFill>
+              </a:rPr>
+              <a:t>firearm </a:t>
+            </a:r>
+            <a:r>
+              <a:rPr lang="en-US" sz="1600" dirty="0">
+                <a:solidFill>
+                  <a:schemeClr val="tx1"/>
+                </a:solidFill>
+              </a:rPr>
+              <a:t>when near </a:t>
+            </a:r>
+            <a:r>
+              <a:rPr lang="en-US" sz="1600" dirty="0" smtClean="0">
+                <a:solidFill>
+                  <a:schemeClr val="tx1"/>
+                </a:solidFill>
+              </a:rPr>
+              <a:t>a school </a:t>
+            </a:r>
+            <a:r>
+              <a:rPr lang="en-US" sz="1600" dirty="0" err="1" smtClean="0">
+                <a:solidFill>
+                  <a:schemeClr val="tx1"/>
+                </a:solidFill>
+              </a:rPr>
+              <a:t>WiFi</a:t>
+            </a:r>
+            <a:r>
+              <a:rPr lang="en-US" sz="1600" dirty="0" smtClean="0">
+                <a:solidFill>
+                  <a:schemeClr val="tx1"/>
+                </a:solidFill>
+              </a:rPr>
+              <a:t> signal </a:t>
+            </a:r>
+            <a:r>
+              <a:rPr lang="en-US" sz="1600" dirty="0">
+                <a:solidFill>
+                  <a:schemeClr val="tx1"/>
+                </a:solidFill>
+              </a:rPr>
+              <a:t>using </a:t>
+            </a:r>
+            <a:r>
+              <a:rPr lang="en-US" sz="1600" dirty="0" smtClean="0">
+                <a:solidFill>
+                  <a:schemeClr val="tx1"/>
+                </a:solidFill>
+              </a:rPr>
+              <a:t>UUIDs to detect the gun’s proximity to the school. This project won 2</a:t>
+            </a:r>
+            <a:r>
+              <a:rPr lang="en-US" sz="1600" baseline="30000" dirty="0" smtClean="0">
+                <a:solidFill>
+                  <a:schemeClr val="tx1"/>
+                </a:solidFill>
+              </a:rPr>
+              <a:t>nd</a:t>
+            </a:r>
+            <a:r>
+              <a:rPr lang="en-US" sz="1600" dirty="0" smtClean="0">
+                <a:solidFill>
+                  <a:schemeClr val="tx1"/>
+                </a:solidFill>
+              </a:rPr>
+              <a:t> Place Engineering at the 2015 </a:t>
+            </a:r>
+            <a:r>
+              <a:rPr lang="en-US" sz="1600" dirty="0">
+                <a:solidFill>
+                  <a:schemeClr val="tx1"/>
+                </a:solidFill>
+              </a:rPr>
+              <a:t>Santa Clara Valley Science and Engineering </a:t>
+            </a:r>
+            <a:r>
+              <a:rPr lang="en-US" sz="1600" dirty="0" smtClean="0">
+                <a:solidFill>
+                  <a:schemeClr val="tx1"/>
+                </a:solidFill>
+              </a:rPr>
+              <a:t>Fair.</a:t>
+            </a:r>
+            <a:endParaRPr lang="en-US" sz="1600" dirty="0">
               <a:solidFill>
-                <a:schemeClr val="bg2">
-                  <a:lumMod val="25000"/>
-                </a:schemeClr>
+                <a:schemeClr val="tx1"/>
               </a:solidFill>
             </a:endParaRPr>
           </a:p>
         </p:txBody>
       </p:sp>
-      <p:sp>
-        <p:nvSpPr>
-          <p:cNvPr id="21" name="Rectangle 20"/>
-          <p:cNvSpPr/>
-          <p:nvPr/>
-        </p:nvSpPr>
-        <p:spPr>
-          <a:xfrm>
-            <a:off x="8359587" y="80683"/>
-            <a:ext cx="3240742" cy="3240742"/>
-          </a:xfrm>
-          <a:prstGeom prst="rect">
-            <a:avLst/>
-          </a:prstGeom>
-          <a:noFill/>
-          <a:ln w="28575">
-            <a:solidFill>
-              <a:srgbClr val="23B4A4"/>
-            </a:solidFill>
-          </a:ln>
-        </p:spPr>
-        <p:style>
-          <a:lnRef idx="2">
-            <a:schemeClr val="accent1">
-              <a:shade val="50000"/>
-            </a:schemeClr>
-          </a:lnRef>
-          <a:fillRef idx="1">
-            <a:schemeClr val="accent1"/>
-          </a:fillRef>
-          <a:effectRef idx="0">
-            <a:schemeClr val="accent1"/>
-          </a:effectRef>
-          <a:fontRef idx="minor">
-            <a:schemeClr val="lt1"/>
-          </a:fontRef>
-        </p:style>
-        <p:txBody>
-          <a:bodyPr rtlCol="0" anchor="ctr"/>
-          <a:lstStyle/>
-          <a:p>
-            <a:pPr algn="ctr"/>
-            <a:endParaRPr lang="en-US"/>
-          </a:p>
-        </p:txBody>
-      </p:sp>
-      <p:grpSp>
-        <p:nvGrpSpPr>
-          <p:cNvPr id="2" name="Group 1"/>
-          <p:cNvGrpSpPr/>
-          <p:nvPr/>
-        </p:nvGrpSpPr>
-        <p:grpSpPr>
-          <a:xfrm>
-            <a:off x="578223" y="80683"/>
-            <a:ext cx="3240742" cy="3240742"/>
-            <a:chOff x="578223" y="80683"/>
-            <a:chExt cx="3240742" cy="3240742"/>
-          </a:xfrm>
-        </p:grpSpPr>
-        <p:sp>
-          <p:nvSpPr>
-            <p:cNvPr id="19" name="Rectangle 18"/>
-            <p:cNvSpPr/>
-            <p:nvPr/>
-          </p:nvSpPr>
-          <p:spPr>
-            <a:xfrm>
-              <a:off x="578223" y="80683"/>
-              <a:ext cx="3240742" cy="3240742"/>
-            </a:xfrm>
-            <a:prstGeom prst="rect">
-              <a:avLst/>
-            </a:prstGeom>
-            <a:noFill/>
-            <a:ln w="28575">
-              <a:solidFill>
-                <a:srgbClr val="23B4A4"/>
-              </a:solidFill>
-            </a:ln>
-          </p:spPr>
-          <p:style>
-            <a:lnRef idx="2">
-              <a:schemeClr val="accent1">
-                <a:shade val="50000"/>
-              </a:schemeClr>
-            </a:lnRef>
-            <a:fillRef idx="1">
-              <a:schemeClr val="accent1"/>
-            </a:fillRef>
-            <a:effectRef idx="0">
-              <a:schemeClr val="accent1"/>
-            </a:effectRef>
-            <a:fontRef idx="minor">
-              <a:schemeClr val="lt1"/>
-            </a:fontRef>
-          </p:style>
-          <p:txBody>
-            <a:bodyPr rtlCol="0" anchor="ctr"/>
-            <a:lstStyle/>
-            <a:p>
-              <a:pPr algn="ctr"/>
-              <a:endParaRPr lang="en-US" dirty="0"/>
-            </a:p>
-          </p:txBody>
-        </p:sp>
-        <p:sp>
-          <p:nvSpPr>
-            <p:cNvPr id="25" name="TextBox 24"/>
-            <p:cNvSpPr txBox="1"/>
-            <p:nvPr/>
-          </p:nvSpPr>
-          <p:spPr>
-            <a:xfrm>
-              <a:off x="578224" y="94130"/>
-              <a:ext cx="3240741" cy="523220"/>
-            </a:xfrm>
-            <a:prstGeom prst="rect">
-              <a:avLst/>
-            </a:prstGeom>
-            <a:noFill/>
-          </p:spPr>
-          <p:txBody>
-            <a:bodyPr wrap="square" rtlCol="0">
-              <a:spAutoFit/>
-            </a:bodyPr>
-            <a:lstStyle/>
-            <a:p>
-              <a:pPr algn="ctr"/>
-              <a:r>
-                <a:rPr lang="en-US" sz="2800" dirty="0" smtClean="0">
-                  <a:latin typeface="Segoe UI Light" panose="020B0502040204020203" pitchFamily="34" charset="0"/>
-                  <a:cs typeface="Segoe UI Light" panose="020B0502040204020203" pitchFamily="34" charset="0"/>
-                </a:rPr>
-                <a:t>National Merit</a:t>
-              </a:r>
-              <a:endParaRPr lang="en-US" sz="2800" dirty="0">
-                <a:latin typeface="Segoe UI Light" panose="020B0502040204020203" pitchFamily="34" charset="0"/>
-                <a:cs typeface="Segoe UI Light" panose="020B0502040204020203" pitchFamily="34" charset="0"/>
-              </a:endParaRPr>
-            </a:p>
-          </p:txBody>
-        </p:sp>
-        <p:pic>
-          <p:nvPicPr>
-            <p:cNvPr id="5122" name="Picture 2" descr="http://www.benet.org/ourpages/auto/2014/9/23/58714589/nationalmerit-logo_thumb.jpg"/>
-            <p:cNvPicPr>
-              <a:picLocks noChangeAspect="1" noChangeArrowheads="1"/>
-            </p:cNvPicPr>
-            <p:nvPr/>
-          </p:nvPicPr>
-          <p:blipFill>
-            <a:blip r:embed="rId2">
-              <a:extLst>
-                <a:ext uri="{28A0092B-C50C-407E-A947-70E740481C1C}">
-                  <a14:useLocalDpi xmlns:a14="http://schemas.microsoft.com/office/drawing/2010/main" val="0"/>
-                </a:ext>
-              </a:extLst>
-            </a:blip>
-            <a:srcRect/>
-            <a:stretch>
-              <a:fillRect/>
-            </a:stretch>
-          </p:blipFill>
-          <p:spPr bwMode="auto">
-            <a:xfrm>
-              <a:off x="793096" y="805608"/>
-              <a:ext cx="2810996" cy="2271286"/>
-            </a:xfrm>
-            <a:prstGeom prst="rect">
-              <a:avLst/>
-            </a:prstGeom>
-            <a:noFill/>
-            <a:extLst>
-              <a:ext uri="{909E8E84-426E-40DD-AFC4-6F175D3DCCD1}">
-                <a14:hiddenFill xmlns:a14="http://schemas.microsoft.com/office/drawing/2010/main">
-                  <a:solidFill>
-                    <a:srgbClr val="FFFFFF"/>
-                  </a:solidFill>
-                </a14:hiddenFill>
-              </a:ext>
-            </a:extLst>
-          </p:spPr>
-        </p:pic>
-      </p:grpSp>
-      <p:pic>
-        <p:nvPicPr>
-          <p:cNvPr id="3" name="Picture 2"/>
-          <p:cNvPicPr>
-            <a:picLocks noChangeAspect="1"/>
-          </p:cNvPicPr>
-          <p:nvPr/>
-        </p:nvPicPr>
-        <p:blipFill rotWithShape="1">
-          <a:blip r:embed="rId3">
-            <a:extLst>
-              <a:ext uri="{28A0092B-C50C-407E-A947-70E740481C1C}">
-                <a14:useLocalDpi xmlns:a14="http://schemas.microsoft.com/office/drawing/2010/main" val="0"/>
-              </a:ext>
-            </a:extLst>
-          </a:blip>
-          <a:srcRect t="1217"/>
-          <a:stretch/>
-        </p:blipFill>
-        <p:spPr>
-          <a:xfrm>
-            <a:off x="578223" y="3455894"/>
-            <a:ext cx="3267739" cy="3276171"/>
-          </a:xfrm>
-          <a:prstGeom prst="rect">
-            <a:avLst/>
-          </a:prstGeom>
-        </p:spPr>
-      </p:pic>
     </p:spTree>
     <p:extLst>
       <p:ext uri="{BB962C8B-B14F-4D97-AF65-F5344CB8AC3E}">

--- a/portfolio_img/portfolio.pptx
+++ b/portfolio_img/portfolio.pptx
@@ -3920,30 +3920,14 @@
           <a:p>
             <a:pPr algn="ctr"/>
             <a:r>
-              <a:rPr lang="en-US" dirty="0" smtClean="0">
-                <a:solidFill>
-                  <a:schemeClr val="tx1"/>
-                </a:solidFill>
-              </a:rPr>
-              <a:t>At the Berkeley Business Academy during the summer of 2014, I conducted a case study with my team of Apple’s progress in innovation. We made a case for why Apple’s continued innovation model puts it ahead of competitors and made suggestions on certain improvements. We presented our findings to members of </a:t>
-            </a:r>
-            <a:r>
-              <a:rPr lang="en-US" smtClean="0">
-                <a:solidFill>
-                  <a:schemeClr val="tx1"/>
-                </a:solidFill>
-              </a:rPr>
-              <a:t>UC Berkeley SCET</a:t>
-            </a:r>
-            <a:r>
-              <a:rPr lang="en-US" dirty="0" smtClean="0">
-                <a:solidFill>
-                  <a:schemeClr val="tx1"/>
-                </a:solidFill>
-              </a:rPr>
-              <a:t>.</a:t>
-            </a:r>
-            <a:endParaRPr lang="en-US" dirty="0">
+              <a:rPr lang="en-US" sz="1700" dirty="0" smtClean="0">
+                <a:solidFill>
+                  <a:schemeClr val="tx1"/>
+                </a:solidFill>
+              </a:rPr>
+              <a:t>At the Berkeley Business Academy during the summer of 2014, I conducted a case study with my team of Apple’s progress in innovation. We made a case for why Apple’s continued innovation model puts it ahead of competitors and made suggestions on certain improvements. We presented our findings to members of UC Berkeley SCET.</a:t>
+            </a:r>
+            <a:endParaRPr lang="en-US" sz="1700" dirty="0">
               <a:solidFill>
                 <a:schemeClr val="tx1"/>
               </a:solidFill>
@@ -4099,11 +4083,33 @@
           <a:lstStyle/>
           <a:p>
             <a:pPr algn="ctr"/>
-            <a:endParaRPr lang="en-US" dirty="0">
+            <a:r>
+              <a:rPr lang="en-US" sz="1600" dirty="0" smtClean="0">
+                <a:solidFill>
+                  <a:schemeClr val="tx1"/>
+                </a:solidFill>
+              </a:rPr>
+              <a:t>At Stanford Summer Institutes 2015, </a:t>
+            </a:r>
+            <a:r>
+              <a:rPr lang="en-US" sz="1600" dirty="0">
+                <a:solidFill>
+                  <a:schemeClr val="tx1"/>
+                </a:solidFill>
+              </a:rPr>
+              <a:t>I </a:t>
+            </a:r>
+            <a:r>
+              <a:rPr lang="en-US" sz="1600" dirty="0" smtClean="0">
+                <a:solidFill>
+                  <a:schemeClr val="tx1"/>
+                </a:solidFill>
+              </a:rPr>
+              <a:t>took courses in Artificial Intelligence under renowned professors on areas of classification, gradient descent, computational biology, speech recognition, adversarial search, and more. I also completed a  final project that uses the Sphinx speech recognition library to only allow certain users into a room, controlled by a speech activated lock. </a:t>
+            </a:r>
+            <a:endParaRPr lang="en-US" sz="1600" dirty="0">
               <a:solidFill>
-                <a:schemeClr val="bg2">
-                  <a:lumMod val="25000"/>
-                </a:schemeClr>
+                <a:schemeClr val="tx1"/>
               </a:solidFill>
             </a:endParaRPr>
           </a:p>

--- a/portfolio_img/portfolio.pptx
+++ b/portfolio_img/portfolio.pptx
@@ -3758,7 +3758,7 @@
             <p:spPr>
               <a:xfrm>
                 <a:off x="4468906" y="94130"/>
-                <a:ext cx="3240741" cy="954107"/>
+                <a:ext cx="3240741" cy="830997"/>
               </a:xfrm>
               <a:prstGeom prst="rect">
                 <a:avLst/>
@@ -3773,15 +3773,17 @@
               <a:p>
                 <a:pPr algn="ctr"/>
                 <a:r>
-                  <a:rPr lang="en-US" sz="2800" dirty="0" smtClean="0">
-                    <a:latin typeface="Segoe UI Light" panose="020B0502040204020203" pitchFamily="34" charset="0"/>
-                    <a:cs typeface="Segoe UI Light" panose="020B0502040204020203" pitchFamily="34" charset="0"/>
+                  <a:rPr lang="en-US" sz="2400" dirty="0" smtClean="0">
+                    <a:latin typeface="Microsoft YaHei Light" charset="-122"/>
+                    <a:ea typeface="Microsoft YaHei Light" charset="-122"/>
+                    <a:cs typeface="Microsoft YaHei Light" charset="-122"/>
                   </a:rPr>
                   <a:t>Traffic Flow Management</a:t>
                 </a:r>
-                <a:endParaRPr lang="en-US" sz="2800" dirty="0">
-                  <a:latin typeface="Segoe UI Light" panose="020B0502040204020203" pitchFamily="34" charset="0"/>
-                  <a:cs typeface="Segoe UI Light" panose="020B0502040204020203" pitchFamily="34" charset="0"/>
+                <a:endParaRPr lang="en-US" sz="2400" dirty="0">
+                  <a:latin typeface="Microsoft YaHei Light" charset="-122"/>
+                  <a:ea typeface="Microsoft YaHei Light" charset="-122"/>
+                  <a:cs typeface="Microsoft YaHei Light" charset="-122"/>
                 </a:endParaRPr>
               </a:p>
             </p:txBody>
@@ -3809,8 +3811,8 @@
           </p:blipFill>
           <p:spPr>
             <a:xfrm>
-              <a:off x="4735911" y="1080511"/>
-              <a:ext cx="2667304" cy="2111824"/>
+              <a:off x="4649849" y="957401"/>
+              <a:ext cx="2863559" cy="2267208"/>
             </a:xfrm>
             <a:prstGeom prst="rect">
               <a:avLst/>
@@ -3820,7 +3822,7 @@
       </p:grpSp>
       <p:pic>
         <p:nvPicPr>
-          <p:cNvPr id="11" name="Picture 10"/>
+          <p:cNvPr id="2" name="Picture 1"/>
           <p:cNvPicPr>
             <a:picLocks noChangeAspect="1"/>
           </p:cNvPicPr>
@@ -3834,13 +3836,13 @@
               </a:ext>
             </a:extLst>
           </a:blip>
-          <a:srcRect t="1060" b="1"/>
+          <a:srcRect t="347"/>
           <a:stretch/>
         </p:blipFill>
         <p:spPr>
           <a:xfrm>
-            <a:off x="4422478" y="3482787"/>
-            <a:ext cx="3267456" cy="3281083"/>
+            <a:off x="4447900" y="3482787"/>
+            <a:ext cx="3267456" cy="3292556"/>
           </a:xfrm>
           <a:prstGeom prst="rect">
             <a:avLst/>

--- a/portfolio_img/portfolio.pptx
+++ b/portfolio_img/portfolio.pptx
@@ -3002,7 +3002,7 @@
             <a:noFill/>
             <a:ln w="28575">
               <a:solidFill>
-                <a:srgbClr val="23B4A4"/>
+                <a:srgbClr val="22CCEE"/>
               </a:solidFill>
             </a:ln>
           </p:spPr>
@@ -3158,7 +3158,7 @@
             <a:noFill/>
             <a:ln w="28575">
               <a:solidFill>
-                <a:srgbClr val="23B4A4"/>
+                <a:srgbClr val="22CCEE"/>
               </a:solidFill>
             </a:ln>
           </p:spPr>
@@ -3340,7 +3340,7 @@
             <a:noFill/>
             <a:ln w="28575">
               <a:solidFill>
-                <a:srgbClr val="23B4A4"/>
+                <a:srgbClr val="22CCEE"/>
               </a:solidFill>
             </a:ln>
           </p:spPr>
@@ -3538,7 +3538,7 @@
             <a:noFill/>
             <a:ln w="28575">
               <a:solidFill>
-                <a:srgbClr val="23B4A4"/>
+                <a:srgbClr val="22CCEE"/>
               </a:solidFill>
             </a:ln>
           </p:spPr>
@@ -3720,7 +3720,7 @@
               <a:noFill/>
               <a:ln w="28575">
                 <a:solidFill>
-                  <a:srgbClr val="23B4A4"/>
+                  <a:srgbClr val="22CCEE"/>
                 </a:solidFill>
               </a:ln>
             </p:spPr>
@@ -3896,7 +3896,7 @@
           <a:noFill/>
           <a:ln w="28575">
             <a:solidFill>
-              <a:srgbClr val="23B4A4"/>
+              <a:srgbClr val="22CCEE"/>
             </a:solidFill>
           </a:ln>
         </p:spPr>
@@ -3954,7 +3954,7 @@
           <a:noFill/>
           <a:ln w="28575">
             <a:solidFill>
-              <a:srgbClr val="23B4A4"/>
+              <a:srgbClr val="22CCEE"/>
             </a:solidFill>
           </a:ln>
         </p:spPr>
@@ -4060,7 +4060,7 @@
           <a:noFill/>
           <a:ln w="28575">
             <a:solidFill>
-              <a:srgbClr val="23B4A4"/>
+              <a:srgbClr val="22CCEE"/>
             </a:solidFill>
           </a:ln>
         </p:spPr>
@@ -4134,7 +4134,7 @@
           <a:noFill/>
           <a:ln w="28575">
             <a:solidFill>
-              <a:srgbClr val="23B4A4"/>
+              <a:srgbClr val="22CCEE"/>
             </a:solidFill>
           </a:ln>
         </p:spPr>
@@ -4180,7 +4180,7 @@
           <a:noFill/>
           <a:ln w="28575">
             <a:solidFill>
-              <a:srgbClr val="23B4A4"/>
+              <a:srgbClr val="22CCEE"/>
             </a:solidFill>
           </a:ln>
         </p:spPr>
@@ -4353,7 +4353,7 @@
           <a:noFill/>
           <a:ln w="28575">
             <a:solidFill>
-              <a:srgbClr val="23B4A4"/>
+              <a:srgbClr val="22CCEE"/>
             </a:solidFill>
           </a:ln>
         </p:spPr>
